--- a/Lecture Notes-Slides/Lecture 17.pptx
+++ b/Lecture Notes-Slides/Lecture 17.pptx
@@ -4092,31 +4092,7 @@
           <a:p>
             <a:r>
               <a:rPr lang="en-US" dirty="0" smtClean="0"/>
-              <a:t>What </a:t>
-            </a:r>
-            <a:r>
-              <a:rPr lang="en-US" dirty="0" smtClean="0"/>
-              <a:t>does dictate </a:t>
-            </a:r>
-            <a:r>
-              <a:rPr lang="en-US" dirty="0" smtClean="0"/>
-              <a:t>the type of NB model you can </a:t>
-            </a:r>
-            <a:r>
-              <a:rPr lang="en-US" dirty="0" smtClean="0"/>
-              <a:t>use? The answer is your </a:t>
-            </a:r>
-            <a:r>
-              <a:rPr lang="en-US" dirty="0" smtClean="0"/>
-              <a:t>feature types. Depending on </a:t>
-            </a:r>
-            <a:r>
-              <a:rPr lang="en-US" dirty="0" smtClean="0"/>
-              <a:t>features, </a:t>
-            </a:r>
-            <a:r>
-              <a:rPr lang="en-US" dirty="0" smtClean="0"/>
-              <a:t>you can use 3 different NB models: Gaussian, Bernoulli, and Multinomial</a:t>
+              <a:t>What does dictate the type of NB model you can use? The answer is your feature types. Depending on features, you can use 3 different NB models: Gaussian, Bernoulli, and Multinomial</a:t>
             </a:r>
           </a:p>
           <a:p>
@@ -4520,37 +4496,8 @@
           <a:p>
             <a:r>
               <a:rPr lang="en-US" dirty="0" smtClean="0"/>
-              <a:t>You </a:t>
-            </a:r>
-            <a:r>
-              <a:rPr lang="en-US" dirty="0" smtClean="0"/>
-              <a:t>should make </a:t>
-            </a:r>
-            <a:r>
-              <a:rPr lang="en-US" dirty="0" smtClean="0"/>
-              <a:t>sure, your input features either look normal at their raw format, </a:t>
-            </a:r>
-            <a:r>
-              <a:rPr lang="en-US" dirty="0" smtClean="0"/>
-              <a:t>or look normal </a:t>
-            </a:r>
-            <a:r>
-              <a:rPr lang="en-US" dirty="0" smtClean="0"/>
-              <a:t>after transformation. For instance you can use log transform to make most of </a:t>
-            </a:r>
-            <a:r>
-              <a:rPr lang="en-US" dirty="0" smtClean="0"/>
-              <a:t>positively skewed </a:t>
-            </a:r>
-            <a:r>
-              <a:rPr lang="en-US" dirty="0" smtClean="0"/>
-              <a:t>distributions, </a:t>
-            </a:r>
-            <a:r>
-              <a:rPr lang="en-US" dirty="0" smtClean="0"/>
-              <a:t>symmetric.</a:t>
-            </a:r>
-            <a:endParaRPr lang="en-US" dirty="0" smtClean="0"/>
+              <a:t>You should make sure, your input features either look normal at their raw format, or look normal after transformation. For instance you can use log transform to make most of positively skewed distributions, symmetric.</a:t>
+            </a:r>
           </a:p>
           <a:p>
             <a:r>
@@ -4950,13 +4897,8 @@
           <a:p>
             <a:r>
               <a:rPr lang="en-US" dirty="0" smtClean="0"/>
-              <a:t>One of the fastest </a:t>
-            </a:r>
-            <a:r>
-              <a:rPr lang="en-US" dirty="0" smtClean="0"/>
-              <a:t>algorithms</a:t>
-            </a:r>
-            <a:endParaRPr lang="en-US" dirty="0" smtClean="0"/>
+              <a:t>One of the fastest algorithms</a:t>
+            </a:r>
           </a:p>
           <a:p>
             <a:r>
@@ -5397,19 +5339,7 @@
             </a:r>
             <a:r>
               <a:rPr lang="en-US" dirty="0" smtClean="0"/>
-              <a:t> </a:t>
-            </a:r>
-            <a:r>
-              <a:rPr lang="en-US" dirty="0" smtClean="0"/>
-              <a:t>works under the assumption that your inputs are normally distributed. If that is not the </a:t>
-            </a:r>
-            <a:r>
-              <a:rPr lang="en-US" dirty="0" smtClean="0"/>
-              <a:t>case, </a:t>
-            </a:r>
-            <a:r>
-              <a:rPr lang="en-US" dirty="0" smtClean="0"/>
-              <a:t>you either cannot use it or need to transform your variables. </a:t>
+              <a:t> works under the assumption that your inputs are normally distributed. If that is not the case, you either cannot use it or need to transform your variables. </a:t>
             </a:r>
           </a:p>
           <a:p>
@@ -6049,8 +5979,17 @@
           <a:p>
             <a:r>
               <a:rPr lang="en-US" dirty="0" smtClean="0"/>
-              <a:t>Advantages and disadvantages of using NB?</a:t>
-            </a:r>
+              <a:t>Advantages and disadvantages of </a:t>
+            </a:r>
+            <a:r>
+              <a:rPr lang="en-US" smtClean="0"/>
+              <a:t>using </a:t>
+            </a:r>
+            <a:r>
+              <a:rPr lang="en-US" smtClean="0"/>
+              <a:t>NB</a:t>
+            </a:r>
+            <a:endParaRPr lang="en-US" dirty="0" smtClean="0"/>
           </a:p>
           <a:p>
             <a:r>
@@ -7193,12 +7132,12 @@
           <a:graphicData uri="http://schemas.openxmlformats.org/presentationml/2006/ole">
             <mc:AlternateContent xmlns:mc="http://schemas.openxmlformats.org/markup-compatibility/2006">
               <mc:Choice xmlns:v="urn:schemas-microsoft-com:vml" Requires="v">
-                <p:oleObj spid="_x0000_s3083" name="Document" r:id="rId4" imgW="7128360" imgH="5781600" progId="Word.Document.8">
+                <p:oleObj spid="_x0000_s3085" name="Document" r:id="rId5" imgW="7128360" imgH="5781600" progId="Word.Document.8">
                   <p:embed/>
                 </p:oleObj>
               </mc:Choice>
               <mc:Fallback>
-                <p:oleObj name="Document" r:id="rId4" imgW="7128360" imgH="5781600" progId="Word.Document.8">
+                <p:oleObj name="Document" r:id="rId5" imgW="7128360" imgH="5781600" progId="Word.Document.8">
                   <p:embed/>
                   <p:pic>
                     <p:nvPicPr>
@@ -7209,7 +7148,7 @@
                       <p:nvPr/>
                     </p:nvPicPr>
                     <p:blipFill>
-                      <a:blip r:embed="rId5">
+                      <a:blip r:embed="rId6">
                         <a:extLst>
                           <a:ext uri="{28A0092B-C50C-407E-A947-70E740481C1C}">
                             <a14:useLocalDpi xmlns:a14="http://schemas.microsoft.com/office/drawing/2010/main" val="0"/>
@@ -7336,15 +7275,7 @@
             </a:r>
             <a:r>
               <a:rPr lang="en-US" sz="2400" dirty="0" smtClean="0"/>
-              <a:t>what</a:t>
-            </a:r>
-            <a:r>
-              <a:rPr lang="en-US" sz="2400" dirty="0" smtClean="0"/>
-              <a:t>’</a:t>
-            </a:r>
-            <a:r>
-              <a:rPr lang="en-US" sz="2400" dirty="0" smtClean="0"/>
-              <a:t>s </a:t>
+              <a:t>what’s </a:t>
             </a:r>
             <a:r>
               <a:rPr lang="en-US" sz="2400" dirty="0"/>
@@ -7435,7 +7366,7 @@
           <a:graphicData uri="http://schemas.openxmlformats.org/presentationml/2006/ole">
             <mc:AlternateContent xmlns:mc="http://schemas.openxmlformats.org/markup-compatibility/2006">
               <mc:Choice xmlns:v="urn:schemas-microsoft-com:vml" Requires="v">
-                <p:oleObj spid="_x0000_s6155" name="Equation" r:id="rId3" imgW="4267200" imgH="1803400" progId="Equation.3">
+                <p:oleObj spid="_x0000_s6157" name="Equation" r:id="rId3" imgW="4267200" imgH="1803400" progId="Equation.3">
                   <p:embed/>
                 </p:oleObj>
               </mc:Choice>
@@ -7909,15 +7840,7 @@
           <a:p>
             <a:r>
               <a:rPr lang="en-US" dirty="0" smtClean="0"/>
-              <a:t>Use 1 nearest neighbor algorithm and locate the closest classmate to you. Once you locate him/her, </a:t>
-            </a:r>
-            <a:r>
-              <a:rPr lang="en-US" dirty="0" smtClean="0"/>
-              <a:t>discuss how </a:t>
-            </a:r>
-            <a:r>
-              <a:rPr lang="en-US" dirty="0" smtClean="0"/>
-              <a:t>one could use Naïve Bayes classifier to classify Spam and Ham e-mail. Also, discuss how we can measure the error of this algorithm and what can go wrong.</a:t>
+              <a:t>Use 1 nearest neighbor algorithm and locate the closest classmate to you. Once you locate him/her, discuss how one could use Naïve Bayes classifier to classify Spam and Ham e-mail. Also, discuss how we can measure the error of this algorithm and what can go wrong.</a:t>
             </a:r>
             <a:endParaRPr lang="en-US" dirty="0"/>
           </a:p>

--- a/Lecture Notes-Slides/Lecture 17.pptx
+++ b/Lecture Notes-Slides/Lecture 17.pptx
@@ -561,6 +561,318 @@
         </p:txBody>
       </p:sp>
     </p:spTree>
+  </p:cSld>
+  <p:clrMapOvr>
+    <a:masterClrMapping/>
+  </p:clrMapOvr>
+</p:notes>
+</file>
+
+<file path=ppt/notesSlides/notesSlide2.xml><?xml version="1.0" encoding="utf-8"?>
+<p:notes xmlns:a="http://schemas.openxmlformats.org/drawingml/2006/main" xmlns:r="http://schemas.openxmlformats.org/officeDocument/2006/relationships" xmlns:p="http://schemas.openxmlformats.org/presentationml/2006/main">
+  <p:cSld>
+    <p:spTree>
+      <p:nvGrpSpPr>
+        <p:cNvPr id="1" name=""/>
+        <p:cNvGrpSpPr/>
+        <p:nvPr/>
+      </p:nvGrpSpPr>
+      <p:grpSpPr>
+        <a:xfrm>
+          <a:off x="0" y="0"/>
+          <a:ext cx="0" cy="0"/>
+          <a:chOff x="0" y="0"/>
+          <a:chExt cx="0" cy="0"/>
+        </a:xfrm>
+      </p:grpSpPr>
+      <p:sp>
+        <p:nvSpPr>
+          <p:cNvPr id="2" name="Slide Image Placeholder 1"/>
+          <p:cNvSpPr>
+            <a:spLocks noGrp="1" noRot="1" noChangeAspect="1"/>
+          </p:cNvSpPr>
+          <p:nvPr>
+            <p:ph type="sldImg"/>
+          </p:nvPr>
+        </p:nvSpPr>
+        <p:spPr/>
+      </p:sp>
+      <p:sp>
+        <p:nvSpPr>
+          <p:cNvPr id="3" name="Notes Placeholder 2"/>
+          <p:cNvSpPr>
+            <a:spLocks noGrp="1"/>
+          </p:cNvSpPr>
+          <p:nvPr>
+            <p:ph type="body" idx="1"/>
+          </p:nvPr>
+        </p:nvSpPr>
+        <p:spPr/>
+        <p:txBody>
+          <a:bodyPr/>
+          <a:lstStyle/>
+          <a:p>
+            <a:r>
+              <a:rPr lang="en-US" dirty="0" smtClean="0"/>
+              <a:t>Use</a:t>
+            </a:r>
+            <a:r>
+              <a:rPr lang="en-US" baseline="0" dirty="0" smtClean="0"/>
+              <a:t> sum of logs instead of multiplication, then take maximum</a:t>
+            </a:r>
+            <a:endParaRPr lang="en-US" dirty="0"/>
+          </a:p>
+        </p:txBody>
+      </p:sp>
+      <p:sp>
+        <p:nvSpPr>
+          <p:cNvPr id="4" name="Slide Number Placeholder 3"/>
+          <p:cNvSpPr>
+            <a:spLocks noGrp="1"/>
+          </p:cNvSpPr>
+          <p:nvPr>
+            <p:ph type="sldNum" sz="quarter" idx="10"/>
+          </p:nvPr>
+        </p:nvSpPr>
+        <p:spPr/>
+        <p:txBody>
+          <a:bodyPr/>
+          <a:lstStyle/>
+          <a:p>
+            <a:fld id="{A6F080AA-B043-9C4C-96F9-F3C99C3DBFAC}" type="slidenum">
+              <a:rPr lang="en-US" smtClean="0"/>
+              <a:t>8</a:t>
+            </a:fld>
+            <a:endParaRPr lang="en-US"/>
+          </a:p>
+        </p:txBody>
+      </p:sp>
+    </p:spTree>
+    <p:extLst>
+      <p:ext uri="{BB962C8B-B14F-4D97-AF65-F5344CB8AC3E}">
+        <p14:creationId xmlns:p14="http://schemas.microsoft.com/office/powerpoint/2010/main" val="711062898"/>
+      </p:ext>
+    </p:extLst>
+  </p:cSld>
+  <p:clrMapOvr>
+    <a:masterClrMapping/>
+  </p:clrMapOvr>
+</p:notes>
+</file>
+
+<file path=ppt/notesSlides/notesSlide3.xml><?xml version="1.0" encoding="utf-8"?>
+<p:notes xmlns:a="http://schemas.openxmlformats.org/drawingml/2006/main" xmlns:r="http://schemas.openxmlformats.org/officeDocument/2006/relationships" xmlns:p="http://schemas.openxmlformats.org/presentationml/2006/main">
+  <p:cSld>
+    <p:spTree>
+      <p:nvGrpSpPr>
+        <p:cNvPr id="1" name=""/>
+        <p:cNvGrpSpPr/>
+        <p:nvPr/>
+      </p:nvGrpSpPr>
+      <p:grpSpPr>
+        <a:xfrm>
+          <a:off x="0" y="0"/>
+          <a:ext cx="0" cy="0"/>
+          <a:chOff x="0" y="0"/>
+          <a:chExt cx="0" cy="0"/>
+        </a:xfrm>
+      </p:grpSpPr>
+      <p:sp>
+        <p:nvSpPr>
+          <p:cNvPr id="2" name="Slide Image Placeholder 1"/>
+          <p:cNvSpPr>
+            <a:spLocks noGrp="1" noRot="1" noChangeAspect="1"/>
+          </p:cNvSpPr>
+          <p:nvPr>
+            <p:ph type="sldImg"/>
+          </p:nvPr>
+        </p:nvSpPr>
+        <p:spPr/>
+      </p:sp>
+      <p:sp>
+        <p:nvSpPr>
+          <p:cNvPr id="3" name="Notes Placeholder 2"/>
+          <p:cNvSpPr>
+            <a:spLocks noGrp="1"/>
+          </p:cNvSpPr>
+          <p:nvPr>
+            <p:ph type="body" idx="1"/>
+          </p:nvPr>
+        </p:nvSpPr>
+        <p:spPr/>
+        <p:txBody>
+          <a:bodyPr/>
+          <a:lstStyle/>
+          <a:p>
+            <a:r>
+              <a:rPr lang="en-US" dirty="0" smtClean="0"/>
+              <a:t>Alpha is a</a:t>
+            </a:r>
+            <a:r>
+              <a:rPr lang="en-US" baseline="0" dirty="0" smtClean="0"/>
+              <a:t> tuning parameter.  It is the only tuning parameter in NB.  What is </a:t>
+            </a:r>
+            <a:r>
+              <a:rPr lang="en-US" baseline="0" dirty="0" err="1" smtClean="0"/>
+              <a:t>BernoulliNB</a:t>
+            </a:r>
+            <a:r>
+              <a:rPr lang="en-US" baseline="0" dirty="0" smtClean="0"/>
+              <a:t> and </a:t>
+            </a:r>
+            <a:r>
+              <a:rPr lang="en-US" baseline="0" dirty="0" err="1" smtClean="0"/>
+              <a:t>MultinomialNB</a:t>
+            </a:r>
+            <a:r>
+              <a:rPr lang="en-US" baseline="0" dirty="0" smtClean="0"/>
+              <a:t>  alpha=1 is the Laplace estimation</a:t>
+            </a:r>
+            <a:endParaRPr lang="en-US" dirty="0"/>
+          </a:p>
+        </p:txBody>
+      </p:sp>
+      <p:sp>
+        <p:nvSpPr>
+          <p:cNvPr id="4" name="Slide Number Placeholder 3"/>
+          <p:cNvSpPr>
+            <a:spLocks noGrp="1"/>
+          </p:cNvSpPr>
+          <p:nvPr>
+            <p:ph type="sldNum" sz="quarter" idx="10"/>
+          </p:nvPr>
+        </p:nvSpPr>
+        <p:spPr/>
+        <p:txBody>
+          <a:bodyPr/>
+          <a:lstStyle/>
+          <a:p>
+            <a:fld id="{A6F080AA-B043-9C4C-96F9-F3C99C3DBFAC}" type="slidenum">
+              <a:rPr lang="en-US" smtClean="0"/>
+              <a:t>10</a:t>
+            </a:fld>
+            <a:endParaRPr lang="en-US"/>
+          </a:p>
+        </p:txBody>
+      </p:sp>
+    </p:spTree>
+    <p:extLst>
+      <p:ext uri="{BB962C8B-B14F-4D97-AF65-F5344CB8AC3E}">
+        <p14:creationId xmlns:p14="http://schemas.microsoft.com/office/powerpoint/2010/main" val="2627983977"/>
+      </p:ext>
+    </p:extLst>
+  </p:cSld>
+  <p:clrMapOvr>
+    <a:masterClrMapping/>
+  </p:clrMapOvr>
+</p:notes>
+</file>
+
+<file path=ppt/notesSlides/notesSlide4.xml><?xml version="1.0" encoding="utf-8"?>
+<p:notes xmlns:a="http://schemas.openxmlformats.org/drawingml/2006/main" xmlns:r="http://schemas.openxmlformats.org/officeDocument/2006/relationships" xmlns:p="http://schemas.openxmlformats.org/presentationml/2006/main">
+  <p:cSld>
+    <p:spTree>
+      <p:nvGrpSpPr>
+        <p:cNvPr id="1" name=""/>
+        <p:cNvGrpSpPr/>
+        <p:nvPr/>
+      </p:nvGrpSpPr>
+      <p:grpSpPr>
+        <a:xfrm>
+          <a:off x="0" y="0"/>
+          <a:ext cx="0" cy="0"/>
+          <a:chOff x="0" y="0"/>
+          <a:chExt cx="0" cy="0"/>
+        </a:xfrm>
+      </p:grpSpPr>
+      <p:sp>
+        <p:nvSpPr>
+          <p:cNvPr id="2" name="Slide Image Placeholder 1"/>
+          <p:cNvSpPr>
+            <a:spLocks noGrp="1" noRot="1" noChangeAspect="1"/>
+          </p:cNvSpPr>
+          <p:nvPr>
+            <p:ph type="sldImg"/>
+          </p:nvPr>
+        </p:nvSpPr>
+        <p:spPr/>
+      </p:sp>
+      <p:sp>
+        <p:nvSpPr>
+          <p:cNvPr id="3" name="Notes Placeholder 2"/>
+          <p:cNvSpPr>
+            <a:spLocks noGrp="1"/>
+          </p:cNvSpPr>
+          <p:nvPr>
+            <p:ph type="body" idx="1"/>
+          </p:nvPr>
+        </p:nvSpPr>
+        <p:spPr/>
+        <p:txBody>
+          <a:bodyPr/>
+          <a:lstStyle/>
+          <a:p>
+            <a:r>
+              <a:rPr lang="en-US" dirty="0" smtClean="0"/>
+              <a:t>All about the inputs here: </a:t>
+            </a:r>
+            <a:r>
+              <a:rPr lang="en-US" dirty="0" err="1" smtClean="0"/>
+              <a:t>bernoulli</a:t>
+            </a:r>
+            <a:r>
+              <a:rPr lang="en-US" dirty="0" smtClean="0"/>
+              <a:t> for categorical</a:t>
+            </a:r>
+            <a:r>
+              <a:rPr lang="en-US" baseline="0" dirty="0" smtClean="0"/>
+              <a:t> , multinomial is for inputs where you count the occurrence of category in observation, </a:t>
+            </a:r>
+            <a:r>
+              <a:rPr lang="en-US" baseline="0" dirty="0" err="1" smtClean="0"/>
+              <a:t>gaussian</a:t>
+            </a:r>
+            <a:r>
+              <a:rPr lang="en-US" baseline="0" dirty="0" smtClean="0"/>
+              <a:t> is for numeric like weight, (assumes </a:t>
+            </a:r>
+            <a:r>
+              <a:rPr lang="en-US" baseline="0" smtClean="0"/>
+              <a:t>normally distributed)</a:t>
+            </a:r>
+            <a:endParaRPr lang="en-US" dirty="0"/>
+          </a:p>
+        </p:txBody>
+      </p:sp>
+      <p:sp>
+        <p:nvSpPr>
+          <p:cNvPr id="4" name="Slide Number Placeholder 3"/>
+          <p:cNvSpPr>
+            <a:spLocks noGrp="1"/>
+          </p:cNvSpPr>
+          <p:nvPr>
+            <p:ph type="sldNum" sz="quarter" idx="10"/>
+          </p:nvPr>
+        </p:nvSpPr>
+        <p:spPr/>
+        <p:txBody>
+          <a:bodyPr/>
+          <a:lstStyle/>
+          <a:p>
+            <a:fld id="{A6F080AA-B043-9C4C-96F9-F3C99C3DBFAC}" type="slidenum">
+              <a:rPr lang="en-US" smtClean="0"/>
+              <a:t>11</a:t>
+            </a:fld>
+            <a:endParaRPr lang="en-US"/>
+          </a:p>
+        </p:txBody>
+      </p:sp>
+    </p:spTree>
+    <p:extLst>
+      <p:ext uri="{BB962C8B-B14F-4D97-AF65-F5344CB8AC3E}">
+        <p14:creationId xmlns:p14="http://schemas.microsoft.com/office/powerpoint/2010/main" val="1174973905"/>
+      </p:ext>
+    </p:extLst>
   </p:cSld>
   <p:clrMapOvr>
     <a:masterClrMapping/>
@@ -3684,7 +3996,7 @@
             </a:r>
             <a:r>
               <a:rPr lang="en-US" dirty="0" err="1" smtClean="0"/>
-              <a:t>Haheminia</a:t>
+              <a:t>Hasheminia</a:t>
             </a:r>
             <a:endParaRPr lang="en-US" dirty="0" smtClean="0"/>
           </a:p>
@@ -3775,15 +4087,7 @@
             <a:pPr lvl="0"/>
             <a:r>
               <a:rPr lang="en-US" dirty="0"/>
-              <a:t>If categorical variable has a category (in test data set), which was not observed in training data set, then model will assign a 0 (zero) probability </a:t>
-            </a:r>
-            <a:r>
-              <a:rPr lang="en-US" dirty="0" smtClean="0"/>
-              <a:t>to it and </a:t>
-            </a:r>
-            <a:r>
-              <a:rPr lang="en-US" dirty="0"/>
-              <a:t>will be unable to make a prediction. This is often known as “Zero Frequency”. To solve this, we can use the smoothing technique. One of the simplest smoothing techniques is called Laplace estimation.</a:t>
+              <a:t>If categorical variable has a category (in test data set), which was not observed in training data set, then model will assign a 0 (zero) probability and will be unable to make a prediction. This is often known as “Zero Frequency”. To solve this, we can use the smoothing technique. One of the simplest smoothing techniques is called Laplace estimation.</a:t>
             </a:r>
           </a:p>
           <a:p>
@@ -3855,183 +4159,6 @@
   <p:clrMapOvr>
     <a:masterClrMapping/>
   </p:clrMapOvr>
-  <p:timing>
-    <p:tnLst>
-      <p:par>
-        <p:cTn xmlns:p14="http://schemas.microsoft.com/office/powerpoint/2010/main" id="1" dur="indefinite" restart="never" nodeType="tmRoot">
-          <p:childTnLst>
-            <p:seq concurrent="1" nextAc="seek">
-              <p:cTn id="2" dur="indefinite" nodeType="mainSeq">
-                <p:childTnLst>
-                  <p:par>
-                    <p:cTn id="3" fill="hold">
-                      <p:stCondLst>
-                        <p:cond delay="indefinite"/>
-                      </p:stCondLst>
-                      <p:childTnLst>
-                        <p:par>
-                          <p:cTn id="4" fill="hold">
-                            <p:stCondLst>
-                              <p:cond delay="0"/>
-                            </p:stCondLst>
-                            <p:childTnLst>
-                              <p:par>
-                                <p:cTn id="5" presetID="1" presetClass="entr" presetSubtype="0" fill="hold" nodeType="clickEffect">
-                                  <p:stCondLst>
-                                    <p:cond delay="0"/>
-                                  </p:stCondLst>
-                                  <p:childTnLst>
-                                    <p:set>
-                                      <p:cBhvr>
-                                        <p:cTn id="6" dur="1" fill="hold">
-                                          <p:stCondLst>
-                                            <p:cond delay="0"/>
-                                          </p:stCondLst>
-                                        </p:cTn>
-                                        <p:tgtEl>
-                                          <p:spTgt spid="3">
-                                            <p:txEl>
-                                              <p:pRg st="0" end="0"/>
-                                            </p:txEl>
-                                          </p:spTgt>
-                                        </p:tgtEl>
-                                        <p:attrNameLst>
-                                          <p:attrName>style.visibility</p:attrName>
-                                        </p:attrNameLst>
-                                      </p:cBhvr>
-                                      <p:to>
-                                        <p:strVal val="visible"/>
-                                      </p:to>
-                                    </p:set>
-                                  </p:childTnLst>
-                                </p:cTn>
-                              </p:par>
-                            </p:childTnLst>
-                          </p:cTn>
-                        </p:par>
-                      </p:childTnLst>
-                    </p:cTn>
-                  </p:par>
-                  <p:par>
-                    <p:cTn id="7" fill="hold">
-                      <p:stCondLst>
-                        <p:cond delay="indefinite"/>
-                      </p:stCondLst>
-                      <p:childTnLst>
-                        <p:par>
-                          <p:cTn id="8" fill="hold">
-                            <p:stCondLst>
-                              <p:cond delay="0"/>
-                            </p:stCondLst>
-                            <p:childTnLst>
-                              <p:par>
-                                <p:cTn id="9" presetID="1" presetClass="entr" presetSubtype="0" fill="hold" nodeType="clickEffect">
-                                  <p:stCondLst>
-                                    <p:cond delay="0"/>
-                                  </p:stCondLst>
-                                  <p:childTnLst>
-                                    <p:set>
-                                      <p:cBhvr>
-                                        <p:cTn id="10" dur="1" fill="hold">
-                                          <p:stCondLst>
-                                            <p:cond delay="0"/>
-                                          </p:stCondLst>
-                                        </p:cTn>
-                                        <p:tgtEl>
-                                          <p:spTgt spid="3">
-                                            <p:txEl>
-                                              <p:pRg st="1" end="1"/>
-                                            </p:txEl>
-                                          </p:spTgt>
-                                        </p:tgtEl>
-                                        <p:attrNameLst>
-                                          <p:attrName>style.visibility</p:attrName>
-                                        </p:attrNameLst>
-                                      </p:cBhvr>
-                                      <p:to>
-                                        <p:strVal val="visible"/>
-                                      </p:to>
-                                    </p:set>
-                                  </p:childTnLst>
-                                </p:cTn>
-                              </p:par>
-                            </p:childTnLst>
-                          </p:cTn>
-                        </p:par>
-                      </p:childTnLst>
-                    </p:cTn>
-                  </p:par>
-                  <p:par>
-                    <p:cTn id="11" fill="hold">
-                      <p:stCondLst>
-                        <p:cond delay="indefinite"/>
-                      </p:stCondLst>
-                      <p:childTnLst>
-                        <p:par>
-                          <p:cTn id="12" fill="hold">
-                            <p:stCondLst>
-                              <p:cond delay="0"/>
-                            </p:stCondLst>
-                            <p:childTnLst>
-                              <p:par>
-                                <p:cTn id="13" presetID="1" presetClass="entr" presetSubtype="0" fill="hold" nodeType="clickEffect">
-                                  <p:stCondLst>
-                                    <p:cond delay="0"/>
-                                  </p:stCondLst>
-                                  <p:childTnLst>
-                                    <p:set>
-                                      <p:cBhvr>
-                                        <p:cTn id="14" dur="1" fill="hold">
-                                          <p:stCondLst>
-                                            <p:cond delay="0"/>
-                                          </p:stCondLst>
-                                        </p:cTn>
-                                        <p:tgtEl>
-                                          <p:spTgt spid="3">
-                                            <p:txEl>
-                                              <p:pRg st="2" end="2"/>
-                                            </p:txEl>
-                                          </p:spTgt>
-                                        </p:tgtEl>
-                                        <p:attrNameLst>
-                                          <p:attrName>style.visibility</p:attrName>
-                                        </p:attrNameLst>
-                                      </p:cBhvr>
-                                      <p:to>
-                                        <p:strVal val="visible"/>
-                                      </p:to>
-                                    </p:set>
-                                  </p:childTnLst>
-                                </p:cTn>
-                              </p:par>
-                            </p:childTnLst>
-                          </p:cTn>
-                        </p:par>
-                      </p:childTnLst>
-                    </p:cTn>
-                  </p:par>
-                </p:childTnLst>
-              </p:cTn>
-              <p:prevCondLst>
-                <p:cond evt="onPrev" delay="0">
-                  <p:tgtEl>
-                    <p:sldTgt/>
-                  </p:tgtEl>
-                </p:cond>
-              </p:prevCondLst>
-              <p:nextCondLst>
-                <p:cond evt="onNext" delay="0">
-                  <p:tgtEl>
-                    <p:sldTgt/>
-                  </p:tgtEl>
-                </p:cond>
-              </p:nextCondLst>
-            </p:seq>
-          </p:childTnLst>
-        </p:cTn>
-      </p:par>
-    </p:tnLst>
-  </p:timing>
 </p:sld>
 </file>
 
@@ -4092,7 +4219,7 @@
           <a:p>
             <a:r>
               <a:rPr lang="en-US" dirty="0" smtClean="0"/>
-              <a:t>What does dictate the type of NB model you can use? The answer is your feature types. Depending on features, you can use 3 different NB models: Gaussian, Bernoulli, and Multinomial</a:t>
+              <a:t>What dictate the type of NB model you can use are you feature types. Depending on features you can use 3 different NB models: Gaussian, Bernoulli, and Multinomial</a:t>
             </a:r>
           </a:p>
           <a:p>
@@ -4154,281 +4281,6 @@
   <p:clrMapOvr>
     <a:masterClrMapping/>
   </p:clrMapOvr>
-  <p:timing>
-    <p:tnLst>
-      <p:par>
-        <p:cTn xmlns:p14="http://schemas.microsoft.com/office/powerpoint/2010/main" id="1" dur="indefinite" restart="never" nodeType="tmRoot">
-          <p:childTnLst>
-            <p:seq concurrent="1" nextAc="seek">
-              <p:cTn id="2" dur="indefinite" nodeType="mainSeq">
-                <p:childTnLst>
-                  <p:par>
-                    <p:cTn id="3" fill="hold">
-                      <p:stCondLst>
-                        <p:cond delay="indefinite"/>
-                      </p:stCondLst>
-                      <p:childTnLst>
-                        <p:par>
-                          <p:cTn id="4" fill="hold">
-                            <p:stCondLst>
-                              <p:cond delay="0"/>
-                            </p:stCondLst>
-                            <p:childTnLst>
-                              <p:par>
-                                <p:cTn id="5" presetID="1" presetClass="entr" presetSubtype="0" fill="hold" nodeType="clickEffect">
-                                  <p:stCondLst>
-                                    <p:cond delay="0"/>
-                                  </p:stCondLst>
-                                  <p:childTnLst>
-                                    <p:set>
-                                      <p:cBhvr>
-                                        <p:cTn id="6" dur="1" fill="hold">
-                                          <p:stCondLst>
-                                            <p:cond delay="0"/>
-                                          </p:stCondLst>
-                                        </p:cTn>
-                                        <p:tgtEl>
-                                          <p:spTgt spid="3">
-                                            <p:txEl>
-                                              <p:pRg st="0" end="0"/>
-                                            </p:txEl>
-                                          </p:spTgt>
-                                        </p:tgtEl>
-                                        <p:attrNameLst>
-                                          <p:attrName>style.visibility</p:attrName>
-                                        </p:attrNameLst>
-                                      </p:cBhvr>
-                                      <p:to>
-                                        <p:strVal val="visible"/>
-                                      </p:to>
-                                    </p:set>
-                                  </p:childTnLst>
-                                </p:cTn>
-                              </p:par>
-                            </p:childTnLst>
-                          </p:cTn>
-                        </p:par>
-                      </p:childTnLst>
-                    </p:cTn>
-                  </p:par>
-                  <p:par>
-                    <p:cTn id="7" fill="hold">
-                      <p:stCondLst>
-                        <p:cond delay="indefinite"/>
-                      </p:stCondLst>
-                      <p:childTnLst>
-                        <p:par>
-                          <p:cTn id="8" fill="hold">
-                            <p:stCondLst>
-                              <p:cond delay="0"/>
-                            </p:stCondLst>
-                            <p:childTnLst>
-                              <p:par>
-                                <p:cTn id="9" presetID="1" presetClass="entr" presetSubtype="0" fill="hold" nodeType="clickEffect">
-                                  <p:stCondLst>
-                                    <p:cond delay="0"/>
-                                  </p:stCondLst>
-                                  <p:childTnLst>
-                                    <p:set>
-                                      <p:cBhvr>
-                                        <p:cTn id="10" dur="1" fill="hold">
-                                          <p:stCondLst>
-                                            <p:cond delay="0"/>
-                                          </p:stCondLst>
-                                        </p:cTn>
-                                        <p:tgtEl>
-                                          <p:spTgt spid="3">
-                                            <p:txEl>
-                                              <p:pRg st="1" end="1"/>
-                                            </p:txEl>
-                                          </p:spTgt>
-                                        </p:tgtEl>
-                                        <p:attrNameLst>
-                                          <p:attrName>style.visibility</p:attrName>
-                                        </p:attrNameLst>
-                                      </p:cBhvr>
-                                      <p:to>
-                                        <p:strVal val="visible"/>
-                                      </p:to>
-                                    </p:set>
-                                  </p:childTnLst>
-                                </p:cTn>
-                              </p:par>
-                            </p:childTnLst>
-                          </p:cTn>
-                        </p:par>
-                      </p:childTnLst>
-                    </p:cTn>
-                  </p:par>
-                  <p:par>
-                    <p:cTn id="11" fill="hold">
-                      <p:stCondLst>
-                        <p:cond delay="indefinite"/>
-                      </p:stCondLst>
-                      <p:childTnLst>
-                        <p:par>
-                          <p:cTn id="12" fill="hold">
-                            <p:stCondLst>
-                              <p:cond delay="0"/>
-                            </p:stCondLst>
-                            <p:childTnLst>
-                              <p:par>
-                                <p:cTn id="13" presetID="1" presetClass="entr" presetSubtype="0" fill="hold" nodeType="clickEffect">
-                                  <p:stCondLst>
-                                    <p:cond delay="0"/>
-                                  </p:stCondLst>
-                                  <p:childTnLst>
-                                    <p:set>
-                                      <p:cBhvr>
-                                        <p:cTn id="14" dur="1" fill="hold">
-                                          <p:stCondLst>
-                                            <p:cond delay="0"/>
-                                          </p:stCondLst>
-                                        </p:cTn>
-                                        <p:tgtEl>
-                                          <p:spTgt spid="3">
-                                            <p:txEl>
-                                              <p:pRg st="2" end="2"/>
-                                            </p:txEl>
-                                          </p:spTgt>
-                                        </p:tgtEl>
-                                        <p:attrNameLst>
-                                          <p:attrName>style.visibility</p:attrName>
-                                        </p:attrNameLst>
-                                      </p:cBhvr>
-                                      <p:to>
-                                        <p:strVal val="visible"/>
-                                      </p:to>
-                                    </p:set>
-                                  </p:childTnLst>
-                                </p:cTn>
-                              </p:par>
-                            </p:childTnLst>
-                          </p:cTn>
-                        </p:par>
-                      </p:childTnLst>
-                    </p:cTn>
-                  </p:par>
-                  <p:par>
-                    <p:cTn id="15" fill="hold">
-                      <p:stCondLst>
-                        <p:cond delay="indefinite"/>
-                      </p:stCondLst>
-                      <p:childTnLst>
-                        <p:par>
-                          <p:cTn id="16" fill="hold">
-                            <p:stCondLst>
-                              <p:cond delay="0"/>
-                            </p:stCondLst>
-                            <p:childTnLst>
-                              <p:par>
-                                <p:cTn id="17" presetID="1" presetClass="entr" presetSubtype="0" fill="hold" nodeType="clickEffect">
-                                  <p:stCondLst>
-                                    <p:cond delay="0"/>
-                                  </p:stCondLst>
-                                  <p:childTnLst>
-                                    <p:set>
-                                      <p:cBhvr>
-                                        <p:cTn id="18" dur="1" fill="hold">
-                                          <p:stCondLst>
-                                            <p:cond delay="0"/>
-                                          </p:stCondLst>
-                                        </p:cTn>
-                                        <p:tgtEl>
-                                          <p:spTgt spid="3">
-                                            <p:txEl>
-                                              <p:pRg st="3" end="3"/>
-                                            </p:txEl>
-                                          </p:spTgt>
-                                        </p:tgtEl>
-                                        <p:attrNameLst>
-                                          <p:attrName>style.visibility</p:attrName>
-                                        </p:attrNameLst>
-                                      </p:cBhvr>
-                                      <p:to>
-                                        <p:strVal val="visible"/>
-                                      </p:to>
-                                    </p:set>
-                                  </p:childTnLst>
-                                </p:cTn>
-                              </p:par>
-                            </p:childTnLst>
-                          </p:cTn>
-                        </p:par>
-                      </p:childTnLst>
-                    </p:cTn>
-                  </p:par>
-                  <p:par>
-                    <p:cTn id="19" fill="hold">
-                      <p:stCondLst>
-                        <p:cond delay="indefinite"/>
-                      </p:stCondLst>
-                      <p:childTnLst>
-                        <p:par>
-                          <p:cTn id="20" fill="hold">
-                            <p:stCondLst>
-                              <p:cond delay="0"/>
-                            </p:stCondLst>
-                            <p:childTnLst>
-                              <p:par>
-                                <p:cTn id="21" presetID="1" presetClass="entr" presetSubtype="0" fill="hold" nodeType="clickEffect">
-                                  <p:stCondLst>
-                                    <p:cond delay="0"/>
-                                  </p:stCondLst>
-                                  <p:childTnLst>
-                                    <p:set>
-                                      <p:cBhvr>
-                                        <p:cTn id="22" dur="1" fill="hold">
-                                          <p:stCondLst>
-                                            <p:cond delay="0"/>
-                                          </p:stCondLst>
-                                        </p:cTn>
-                                        <p:tgtEl>
-                                          <p:spTgt spid="3">
-                                            <p:txEl>
-                                              <p:pRg st="4" end="4"/>
-                                            </p:txEl>
-                                          </p:spTgt>
-                                        </p:tgtEl>
-                                        <p:attrNameLst>
-                                          <p:attrName>style.visibility</p:attrName>
-                                        </p:attrNameLst>
-                                      </p:cBhvr>
-                                      <p:to>
-                                        <p:strVal val="visible"/>
-                                      </p:to>
-                                    </p:set>
-                                  </p:childTnLst>
-                                </p:cTn>
-                              </p:par>
-                            </p:childTnLst>
-                          </p:cTn>
-                        </p:par>
-                      </p:childTnLst>
-                    </p:cTn>
-                  </p:par>
-                </p:childTnLst>
-              </p:cTn>
-              <p:prevCondLst>
-                <p:cond evt="onPrev" delay="0">
-                  <p:tgtEl>
-                    <p:sldTgt/>
-                  </p:tgtEl>
-                </p:cond>
-              </p:prevCondLst>
-              <p:nextCondLst>
-                <p:cond evt="onNext" delay="0">
-                  <p:tgtEl>
-                    <p:sldTgt/>
-                  </p:tgtEl>
-                </p:cond>
-              </p:nextCondLst>
-            </p:seq>
-          </p:childTnLst>
-        </p:cTn>
-      </p:par>
-    </p:tnLst>
-  </p:timing>
 </p:sld>
 </file>
 
@@ -4496,7 +4348,7 @@
           <a:p>
             <a:r>
               <a:rPr lang="en-US" dirty="0" smtClean="0"/>
-              <a:t>You should make sure, your input features either look normal at their raw format, or look normal after transformation. For instance you can use log transform to make most of positively skewed distributions, symmetric.</a:t>
+              <a:t>You shall make sure, your input features either look normal at their raw format, or after transformation. For instance you can use log transform to make most of negatively skewed distributions, symmetrical.</a:t>
             </a:r>
           </a:p>
           <a:p>
@@ -4536,7 +4388,7 @@
         </p:blipFill>
         <p:spPr>
           <a:xfrm>
-            <a:off x="1622424" y="5779943"/>
+            <a:off x="1765299" y="5779943"/>
             <a:ext cx="4505325" cy="744682"/>
           </a:xfrm>
           <a:prstGeom prst="rect">
@@ -4554,277 +4406,6 @@
   <p:clrMapOvr>
     <a:masterClrMapping/>
   </p:clrMapOvr>
-  <p:timing>
-    <p:tnLst>
-      <p:par>
-        <p:cTn xmlns:p14="http://schemas.microsoft.com/office/powerpoint/2010/main" id="1" dur="indefinite" restart="never" nodeType="tmRoot">
-          <p:childTnLst>
-            <p:seq concurrent="1" nextAc="seek">
-              <p:cTn id="2" dur="indefinite" nodeType="mainSeq">
-                <p:childTnLst>
-                  <p:par>
-                    <p:cTn id="3" fill="hold">
-                      <p:stCondLst>
-                        <p:cond delay="indefinite"/>
-                      </p:stCondLst>
-                      <p:childTnLst>
-                        <p:par>
-                          <p:cTn id="4" fill="hold">
-                            <p:stCondLst>
-                              <p:cond delay="0"/>
-                            </p:stCondLst>
-                            <p:childTnLst>
-                              <p:par>
-                                <p:cTn id="5" presetID="1" presetClass="entr" presetSubtype="0" fill="hold" nodeType="clickEffect">
-                                  <p:stCondLst>
-                                    <p:cond delay="0"/>
-                                  </p:stCondLst>
-                                  <p:childTnLst>
-                                    <p:set>
-                                      <p:cBhvr>
-                                        <p:cTn id="6" dur="1" fill="hold">
-                                          <p:stCondLst>
-                                            <p:cond delay="0"/>
-                                          </p:stCondLst>
-                                        </p:cTn>
-                                        <p:tgtEl>
-                                          <p:spTgt spid="3">
-                                            <p:txEl>
-                                              <p:pRg st="0" end="0"/>
-                                            </p:txEl>
-                                          </p:spTgt>
-                                        </p:tgtEl>
-                                        <p:attrNameLst>
-                                          <p:attrName>style.visibility</p:attrName>
-                                        </p:attrNameLst>
-                                      </p:cBhvr>
-                                      <p:to>
-                                        <p:strVal val="visible"/>
-                                      </p:to>
-                                    </p:set>
-                                  </p:childTnLst>
-                                </p:cTn>
-                              </p:par>
-                            </p:childTnLst>
-                          </p:cTn>
-                        </p:par>
-                      </p:childTnLst>
-                    </p:cTn>
-                  </p:par>
-                  <p:par>
-                    <p:cTn id="7" fill="hold">
-                      <p:stCondLst>
-                        <p:cond delay="indefinite"/>
-                      </p:stCondLst>
-                      <p:childTnLst>
-                        <p:par>
-                          <p:cTn id="8" fill="hold">
-                            <p:stCondLst>
-                              <p:cond delay="0"/>
-                            </p:stCondLst>
-                            <p:childTnLst>
-                              <p:par>
-                                <p:cTn id="9" presetID="1" presetClass="entr" presetSubtype="0" fill="hold" nodeType="clickEffect">
-                                  <p:stCondLst>
-                                    <p:cond delay="0"/>
-                                  </p:stCondLst>
-                                  <p:childTnLst>
-                                    <p:set>
-                                      <p:cBhvr>
-                                        <p:cTn id="10" dur="1" fill="hold">
-                                          <p:stCondLst>
-                                            <p:cond delay="0"/>
-                                          </p:stCondLst>
-                                        </p:cTn>
-                                        <p:tgtEl>
-                                          <p:spTgt spid="3">
-                                            <p:txEl>
-                                              <p:pRg st="1" end="1"/>
-                                            </p:txEl>
-                                          </p:spTgt>
-                                        </p:tgtEl>
-                                        <p:attrNameLst>
-                                          <p:attrName>style.visibility</p:attrName>
-                                        </p:attrNameLst>
-                                      </p:cBhvr>
-                                      <p:to>
-                                        <p:strVal val="visible"/>
-                                      </p:to>
-                                    </p:set>
-                                  </p:childTnLst>
-                                </p:cTn>
-                              </p:par>
-                            </p:childTnLst>
-                          </p:cTn>
-                        </p:par>
-                      </p:childTnLst>
-                    </p:cTn>
-                  </p:par>
-                  <p:par>
-                    <p:cTn id="11" fill="hold">
-                      <p:stCondLst>
-                        <p:cond delay="indefinite"/>
-                      </p:stCondLst>
-                      <p:childTnLst>
-                        <p:par>
-                          <p:cTn id="12" fill="hold">
-                            <p:stCondLst>
-                              <p:cond delay="0"/>
-                            </p:stCondLst>
-                            <p:childTnLst>
-                              <p:par>
-                                <p:cTn id="13" presetID="1" presetClass="entr" presetSubtype="0" fill="hold" nodeType="clickEffect">
-                                  <p:stCondLst>
-                                    <p:cond delay="0"/>
-                                  </p:stCondLst>
-                                  <p:childTnLst>
-                                    <p:set>
-                                      <p:cBhvr>
-                                        <p:cTn id="14" dur="1" fill="hold">
-                                          <p:stCondLst>
-                                            <p:cond delay="0"/>
-                                          </p:stCondLst>
-                                        </p:cTn>
-                                        <p:tgtEl>
-                                          <p:spTgt spid="3">
-                                            <p:txEl>
-                                              <p:pRg st="2" end="2"/>
-                                            </p:txEl>
-                                          </p:spTgt>
-                                        </p:tgtEl>
-                                        <p:attrNameLst>
-                                          <p:attrName>style.visibility</p:attrName>
-                                        </p:attrNameLst>
-                                      </p:cBhvr>
-                                      <p:to>
-                                        <p:strVal val="visible"/>
-                                      </p:to>
-                                    </p:set>
-                                  </p:childTnLst>
-                                </p:cTn>
-                              </p:par>
-                            </p:childTnLst>
-                          </p:cTn>
-                        </p:par>
-                      </p:childTnLst>
-                    </p:cTn>
-                  </p:par>
-                  <p:par>
-                    <p:cTn id="15" fill="hold">
-                      <p:stCondLst>
-                        <p:cond delay="indefinite"/>
-                      </p:stCondLst>
-                      <p:childTnLst>
-                        <p:par>
-                          <p:cTn id="16" fill="hold">
-                            <p:stCondLst>
-                              <p:cond delay="0"/>
-                            </p:stCondLst>
-                            <p:childTnLst>
-                              <p:par>
-                                <p:cTn id="17" presetID="1" presetClass="entr" presetSubtype="0" fill="hold" nodeType="clickEffect">
-                                  <p:stCondLst>
-                                    <p:cond delay="0"/>
-                                  </p:stCondLst>
-                                  <p:childTnLst>
-                                    <p:set>
-                                      <p:cBhvr>
-                                        <p:cTn id="18" dur="1" fill="hold">
-                                          <p:stCondLst>
-                                            <p:cond delay="0"/>
-                                          </p:stCondLst>
-                                        </p:cTn>
-                                        <p:tgtEl>
-                                          <p:spTgt spid="3">
-                                            <p:txEl>
-                                              <p:pRg st="3" end="3"/>
-                                            </p:txEl>
-                                          </p:spTgt>
-                                        </p:tgtEl>
-                                        <p:attrNameLst>
-                                          <p:attrName>style.visibility</p:attrName>
-                                        </p:attrNameLst>
-                                      </p:cBhvr>
-                                      <p:to>
-                                        <p:strVal val="visible"/>
-                                      </p:to>
-                                    </p:set>
-                                  </p:childTnLst>
-                                </p:cTn>
-                              </p:par>
-                            </p:childTnLst>
-                          </p:cTn>
-                        </p:par>
-                      </p:childTnLst>
-                    </p:cTn>
-                  </p:par>
-                  <p:par>
-                    <p:cTn id="19" fill="hold">
-                      <p:stCondLst>
-                        <p:cond delay="indefinite"/>
-                      </p:stCondLst>
-                      <p:childTnLst>
-                        <p:par>
-                          <p:cTn id="20" fill="hold">
-                            <p:stCondLst>
-                              <p:cond delay="0"/>
-                            </p:stCondLst>
-                            <p:childTnLst>
-                              <p:par>
-                                <p:cTn id="21" presetID="1" presetClass="entr" presetSubtype="0" fill="hold" nodeType="clickEffect">
-                                  <p:stCondLst>
-                                    <p:cond delay="0"/>
-                                  </p:stCondLst>
-                                  <p:childTnLst>
-                                    <p:set>
-                                      <p:cBhvr>
-                                        <p:cTn id="22" dur="1" fill="hold">
-                                          <p:stCondLst>
-                                            <p:cond delay="0"/>
-                                          </p:stCondLst>
-                                        </p:cTn>
-                                        <p:tgtEl>
-                                          <p:spTgt spid="4"/>
-                                        </p:tgtEl>
-                                        <p:attrNameLst>
-                                          <p:attrName>style.visibility</p:attrName>
-                                        </p:attrNameLst>
-                                      </p:cBhvr>
-                                      <p:to>
-                                        <p:strVal val="visible"/>
-                                      </p:to>
-                                    </p:set>
-                                  </p:childTnLst>
-                                </p:cTn>
-                              </p:par>
-                            </p:childTnLst>
-                          </p:cTn>
-                        </p:par>
-                      </p:childTnLst>
-                    </p:cTn>
-                  </p:par>
-                </p:childTnLst>
-              </p:cTn>
-              <p:prevCondLst>
-                <p:cond evt="onPrev" delay="0">
-                  <p:tgtEl>
-                    <p:sldTgt/>
-                  </p:tgtEl>
-                </p:cond>
-              </p:prevCondLst>
-              <p:nextCondLst>
-                <p:cond evt="onNext" delay="0">
-                  <p:tgtEl>
-                    <p:sldTgt/>
-                  </p:tgtEl>
-                </p:cond>
-              </p:nextCondLst>
-            </p:seq>
-          </p:childTnLst>
-        </p:cTn>
-      </p:par>
-    </p:tnLst>
-  </p:timing>
 </p:sld>
 </file>
 
@@ -4897,7 +4478,7 @@
           <a:p>
             <a:r>
               <a:rPr lang="en-US" dirty="0" smtClean="0"/>
-              <a:t>One of the fastest algorithms</a:t>
+              <a:t>One of the fastest algorithms out there</a:t>
             </a:r>
           </a:p>
           <a:p>
@@ -4939,330 +4520,6 @@
   <p:clrMapOvr>
     <a:masterClrMapping/>
   </p:clrMapOvr>
-  <p:timing>
-    <p:tnLst>
-      <p:par>
-        <p:cTn xmlns:p14="http://schemas.microsoft.com/office/powerpoint/2010/main" id="1" dur="indefinite" restart="never" nodeType="tmRoot">
-          <p:childTnLst>
-            <p:seq concurrent="1" nextAc="seek">
-              <p:cTn id="2" dur="indefinite" nodeType="mainSeq">
-                <p:childTnLst>
-                  <p:par>
-                    <p:cTn id="3" fill="hold">
-                      <p:stCondLst>
-                        <p:cond delay="indefinite"/>
-                      </p:stCondLst>
-                      <p:childTnLst>
-                        <p:par>
-                          <p:cTn id="4" fill="hold">
-                            <p:stCondLst>
-                              <p:cond delay="0"/>
-                            </p:stCondLst>
-                            <p:childTnLst>
-                              <p:par>
-                                <p:cTn id="5" presetID="1" presetClass="entr" presetSubtype="0" fill="hold" nodeType="clickEffect">
-                                  <p:stCondLst>
-                                    <p:cond delay="0"/>
-                                  </p:stCondLst>
-                                  <p:childTnLst>
-                                    <p:set>
-                                      <p:cBhvr>
-                                        <p:cTn id="6" dur="1" fill="hold">
-                                          <p:stCondLst>
-                                            <p:cond delay="0"/>
-                                          </p:stCondLst>
-                                        </p:cTn>
-                                        <p:tgtEl>
-                                          <p:spTgt spid="3">
-                                            <p:txEl>
-                                              <p:pRg st="0" end="0"/>
-                                            </p:txEl>
-                                          </p:spTgt>
-                                        </p:tgtEl>
-                                        <p:attrNameLst>
-                                          <p:attrName>style.visibility</p:attrName>
-                                        </p:attrNameLst>
-                                      </p:cBhvr>
-                                      <p:to>
-                                        <p:strVal val="visible"/>
-                                      </p:to>
-                                    </p:set>
-                                  </p:childTnLst>
-                                </p:cTn>
-                              </p:par>
-                            </p:childTnLst>
-                          </p:cTn>
-                        </p:par>
-                      </p:childTnLst>
-                    </p:cTn>
-                  </p:par>
-                  <p:par>
-                    <p:cTn id="7" fill="hold">
-                      <p:stCondLst>
-                        <p:cond delay="indefinite"/>
-                      </p:stCondLst>
-                      <p:childTnLst>
-                        <p:par>
-                          <p:cTn id="8" fill="hold">
-                            <p:stCondLst>
-                              <p:cond delay="0"/>
-                            </p:stCondLst>
-                            <p:childTnLst>
-                              <p:par>
-                                <p:cTn id="9" presetID="1" presetClass="entr" presetSubtype="0" fill="hold" nodeType="clickEffect">
-                                  <p:stCondLst>
-                                    <p:cond delay="0"/>
-                                  </p:stCondLst>
-                                  <p:childTnLst>
-                                    <p:set>
-                                      <p:cBhvr>
-                                        <p:cTn id="10" dur="1" fill="hold">
-                                          <p:stCondLst>
-                                            <p:cond delay="0"/>
-                                          </p:stCondLst>
-                                        </p:cTn>
-                                        <p:tgtEl>
-                                          <p:spTgt spid="3">
-                                            <p:txEl>
-                                              <p:pRg st="1" end="1"/>
-                                            </p:txEl>
-                                          </p:spTgt>
-                                        </p:tgtEl>
-                                        <p:attrNameLst>
-                                          <p:attrName>style.visibility</p:attrName>
-                                        </p:attrNameLst>
-                                      </p:cBhvr>
-                                      <p:to>
-                                        <p:strVal val="visible"/>
-                                      </p:to>
-                                    </p:set>
-                                  </p:childTnLst>
-                                </p:cTn>
-                              </p:par>
-                            </p:childTnLst>
-                          </p:cTn>
-                        </p:par>
-                      </p:childTnLst>
-                    </p:cTn>
-                  </p:par>
-                  <p:par>
-                    <p:cTn id="11" fill="hold">
-                      <p:stCondLst>
-                        <p:cond delay="indefinite"/>
-                      </p:stCondLst>
-                      <p:childTnLst>
-                        <p:par>
-                          <p:cTn id="12" fill="hold">
-                            <p:stCondLst>
-                              <p:cond delay="0"/>
-                            </p:stCondLst>
-                            <p:childTnLst>
-                              <p:par>
-                                <p:cTn id="13" presetID="1" presetClass="entr" presetSubtype="0" fill="hold" nodeType="clickEffect">
-                                  <p:stCondLst>
-                                    <p:cond delay="0"/>
-                                  </p:stCondLst>
-                                  <p:childTnLst>
-                                    <p:set>
-                                      <p:cBhvr>
-                                        <p:cTn id="14" dur="1" fill="hold">
-                                          <p:stCondLst>
-                                            <p:cond delay="0"/>
-                                          </p:stCondLst>
-                                        </p:cTn>
-                                        <p:tgtEl>
-                                          <p:spTgt spid="3">
-                                            <p:txEl>
-                                              <p:pRg st="2" end="2"/>
-                                            </p:txEl>
-                                          </p:spTgt>
-                                        </p:tgtEl>
-                                        <p:attrNameLst>
-                                          <p:attrName>style.visibility</p:attrName>
-                                        </p:attrNameLst>
-                                      </p:cBhvr>
-                                      <p:to>
-                                        <p:strVal val="visible"/>
-                                      </p:to>
-                                    </p:set>
-                                  </p:childTnLst>
-                                </p:cTn>
-                              </p:par>
-                            </p:childTnLst>
-                          </p:cTn>
-                        </p:par>
-                      </p:childTnLst>
-                    </p:cTn>
-                  </p:par>
-                  <p:par>
-                    <p:cTn id="15" fill="hold">
-                      <p:stCondLst>
-                        <p:cond delay="indefinite"/>
-                      </p:stCondLst>
-                      <p:childTnLst>
-                        <p:par>
-                          <p:cTn id="16" fill="hold">
-                            <p:stCondLst>
-                              <p:cond delay="0"/>
-                            </p:stCondLst>
-                            <p:childTnLst>
-                              <p:par>
-                                <p:cTn id="17" presetID="1" presetClass="entr" presetSubtype="0" fill="hold" nodeType="clickEffect">
-                                  <p:stCondLst>
-                                    <p:cond delay="0"/>
-                                  </p:stCondLst>
-                                  <p:childTnLst>
-                                    <p:set>
-                                      <p:cBhvr>
-                                        <p:cTn id="18" dur="1" fill="hold">
-                                          <p:stCondLst>
-                                            <p:cond delay="0"/>
-                                          </p:stCondLst>
-                                        </p:cTn>
-                                        <p:tgtEl>
-                                          <p:spTgt spid="3">
-                                            <p:txEl>
-                                              <p:pRg st="3" end="3"/>
-                                            </p:txEl>
-                                          </p:spTgt>
-                                        </p:tgtEl>
-                                        <p:attrNameLst>
-                                          <p:attrName>style.visibility</p:attrName>
-                                        </p:attrNameLst>
-                                      </p:cBhvr>
-                                      <p:to>
-                                        <p:strVal val="visible"/>
-                                      </p:to>
-                                    </p:set>
-                                  </p:childTnLst>
-                                </p:cTn>
-                              </p:par>
-                            </p:childTnLst>
-                          </p:cTn>
-                        </p:par>
-                      </p:childTnLst>
-                    </p:cTn>
-                  </p:par>
-                  <p:par>
-                    <p:cTn id="19" fill="hold">
-                      <p:stCondLst>
-                        <p:cond delay="indefinite"/>
-                      </p:stCondLst>
-                      <p:childTnLst>
-                        <p:par>
-                          <p:cTn id="20" fill="hold">
-                            <p:stCondLst>
-                              <p:cond delay="0"/>
-                            </p:stCondLst>
-                            <p:childTnLst>
-                              <p:par>
-                                <p:cTn id="21" presetID="1" presetClass="entr" presetSubtype="0" fill="hold" nodeType="clickEffect">
-                                  <p:stCondLst>
-                                    <p:cond delay="0"/>
-                                  </p:stCondLst>
-                                  <p:childTnLst>
-                                    <p:set>
-                                      <p:cBhvr>
-                                        <p:cTn id="22" dur="1" fill="hold">
-                                          <p:stCondLst>
-                                            <p:cond delay="0"/>
-                                          </p:stCondLst>
-                                        </p:cTn>
-                                        <p:tgtEl>
-                                          <p:spTgt spid="3">
-                                            <p:txEl>
-                                              <p:pRg st="4" end="4"/>
-                                            </p:txEl>
-                                          </p:spTgt>
-                                        </p:tgtEl>
-                                        <p:attrNameLst>
-                                          <p:attrName>style.visibility</p:attrName>
-                                        </p:attrNameLst>
-                                      </p:cBhvr>
-                                      <p:to>
-                                        <p:strVal val="visible"/>
-                                      </p:to>
-                                    </p:set>
-                                  </p:childTnLst>
-                                </p:cTn>
-                              </p:par>
-                            </p:childTnLst>
-                          </p:cTn>
-                        </p:par>
-                      </p:childTnLst>
-                    </p:cTn>
-                  </p:par>
-                  <p:par>
-                    <p:cTn id="23" fill="hold">
-                      <p:stCondLst>
-                        <p:cond delay="indefinite"/>
-                      </p:stCondLst>
-                      <p:childTnLst>
-                        <p:par>
-                          <p:cTn id="24" fill="hold">
-                            <p:stCondLst>
-                              <p:cond delay="0"/>
-                            </p:stCondLst>
-                            <p:childTnLst>
-                              <p:par>
-                                <p:cTn id="25" presetID="1" presetClass="entr" presetSubtype="0" fill="hold" nodeType="clickEffect">
-                                  <p:stCondLst>
-                                    <p:cond delay="0"/>
-                                  </p:stCondLst>
-                                  <p:childTnLst>
-                                    <p:set>
-                                      <p:cBhvr>
-                                        <p:cTn id="26" dur="1" fill="hold">
-                                          <p:stCondLst>
-                                            <p:cond delay="0"/>
-                                          </p:stCondLst>
-                                        </p:cTn>
-                                        <p:tgtEl>
-                                          <p:spTgt spid="3">
-                                            <p:txEl>
-                                              <p:pRg st="5" end="5"/>
-                                            </p:txEl>
-                                          </p:spTgt>
-                                        </p:tgtEl>
-                                        <p:attrNameLst>
-                                          <p:attrName>style.visibility</p:attrName>
-                                        </p:attrNameLst>
-                                      </p:cBhvr>
-                                      <p:to>
-                                        <p:strVal val="visible"/>
-                                      </p:to>
-                                    </p:set>
-                                  </p:childTnLst>
-                                </p:cTn>
-                              </p:par>
-                            </p:childTnLst>
-                          </p:cTn>
-                        </p:par>
-                      </p:childTnLst>
-                    </p:cTn>
-                  </p:par>
-                </p:childTnLst>
-              </p:cTn>
-              <p:prevCondLst>
-                <p:cond evt="onPrev" delay="0">
-                  <p:tgtEl>
-                    <p:sldTgt/>
-                  </p:tgtEl>
-                </p:cond>
-              </p:prevCondLst>
-              <p:nextCondLst>
-                <p:cond evt="onNext" delay="0">
-                  <p:tgtEl>
-                    <p:sldTgt/>
-                  </p:tgtEl>
-                </p:cond>
-              </p:nextCondLst>
-            </p:seq>
-          </p:childTnLst>
-        </p:cTn>
-      </p:par>
-    </p:tnLst>
-  </p:timing>
 </p:sld>
 </file>
 
@@ -5334,12 +4591,8 @@
           </a:p>
           <a:p>
             <a:r>
-              <a:rPr lang="en-US" dirty="0" err="1" smtClean="0"/>
-              <a:t>GaussianNB</a:t>
-            </a:r>
-            <a:r>
-              <a:rPr lang="en-US" dirty="0" smtClean="0"/>
-              <a:t> works under the assumption that your inputs are normally distributed. If that is not the case, you either cannot use it or need to transform your variables. </a:t>
+              <a:rPr lang="en-US" dirty="0" smtClean="0"/>
+              <a:t>It works under the assumption that your inputs are normally distributed. If that is not the case you either cannot use it or need to transform your variables. </a:t>
             </a:r>
           </a:p>
           <a:p>
@@ -5361,232 +4614,6 @@
   <p:clrMapOvr>
     <a:masterClrMapping/>
   </p:clrMapOvr>
-  <p:timing>
-    <p:tnLst>
-      <p:par>
-        <p:cTn xmlns:p14="http://schemas.microsoft.com/office/powerpoint/2010/main" id="1" dur="indefinite" restart="never" nodeType="tmRoot">
-          <p:childTnLst>
-            <p:seq concurrent="1" nextAc="seek">
-              <p:cTn id="2" dur="indefinite" nodeType="mainSeq">
-                <p:childTnLst>
-                  <p:par>
-                    <p:cTn id="3" fill="hold">
-                      <p:stCondLst>
-                        <p:cond delay="indefinite"/>
-                      </p:stCondLst>
-                      <p:childTnLst>
-                        <p:par>
-                          <p:cTn id="4" fill="hold">
-                            <p:stCondLst>
-                              <p:cond delay="0"/>
-                            </p:stCondLst>
-                            <p:childTnLst>
-                              <p:par>
-                                <p:cTn id="5" presetID="1" presetClass="entr" presetSubtype="0" fill="hold" nodeType="clickEffect">
-                                  <p:stCondLst>
-                                    <p:cond delay="0"/>
-                                  </p:stCondLst>
-                                  <p:childTnLst>
-                                    <p:set>
-                                      <p:cBhvr>
-                                        <p:cTn id="6" dur="1" fill="hold">
-                                          <p:stCondLst>
-                                            <p:cond delay="0"/>
-                                          </p:stCondLst>
-                                        </p:cTn>
-                                        <p:tgtEl>
-                                          <p:spTgt spid="3">
-                                            <p:txEl>
-                                              <p:pRg st="0" end="0"/>
-                                            </p:txEl>
-                                          </p:spTgt>
-                                        </p:tgtEl>
-                                        <p:attrNameLst>
-                                          <p:attrName>style.visibility</p:attrName>
-                                        </p:attrNameLst>
-                                      </p:cBhvr>
-                                      <p:to>
-                                        <p:strVal val="visible"/>
-                                      </p:to>
-                                    </p:set>
-                                  </p:childTnLst>
-                                </p:cTn>
-                              </p:par>
-                            </p:childTnLst>
-                          </p:cTn>
-                        </p:par>
-                      </p:childTnLst>
-                    </p:cTn>
-                  </p:par>
-                  <p:par>
-                    <p:cTn id="7" fill="hold">
-                      <p:stCondLst>
-                        <p:cond delay="indefinite"/>
-                      </p:stCondLst>
-                      <p:childTnLst>
-                        <p:par>
-                          <p:cTn id="8" fill="hold">
-                            <p:stCondLst>
-                              <p:cond delay="0"/>
-                            </p:stCondLst>
-                            <p:childTnLst>
-                              <p:par>
-                                <p:cTn id="9" presetID="1" presetClass="entr" presetSubtype="0" fill="hold" nodeType="clickEffect">
-                                  <p:stCondLst>
-                                    <p:cond delay="0"/>
-                                  </p:stCondLst>
-                                  <p:childTnLst>
-                                    <p:set>
-                                      <p:cBhvr>
-                                        <p:cTn id="10" dur="1" fill="hold">
-                                          <p:stCondLst>
-                                            <p:cond delay="0"/>
-                                          </p:stCondLst>
-                                        </p:cTn>
-                                        <p:tgtEl>
-                                          <p:spTgt spid="3">
-                                            <p:txEl>
-                                              <p:pRg st="1" end="1"/>
-                                            </p:txEl>
-                                          </p:spTgt>
-                                        </p:tgtEl>
-                                        <p:attrNameLst>
-                                          <p:attrName>style.visibility</p:attrName>
-                                        </p:attrNameLst>
-                                      </p:cBhvr>
-                                      <p:to>
-                                        <p:strVal val="visible"/>
-                                      </p:to>
-                                    </p:set>
-                                  </p:childTnLst>
-                                </p:cTn>
-                              </p:par>
-                            </p:childTnLst>
-                          </p:cTn>
-                        </p:par>
-                      </p:childTnLst>
-                    </p:cTn>
-                  </p:par>
-                  <p:par>
-                    <p:cTn id="11" fill="hold">
-                      <p:stCondLst>
-                        <p:cond delay="indefinite"/>
-                      </p:stCondLst>
-                      <p:childTnLst>
-                        <p:par>
-                          <p:cTn id="12" fill="hold">
-                            <p:stCondLst>
-                              <p:cond delay="0"/>
-                            </p:stCondLst>
-                            <p:childTnLst>
-                              <p:par>
-                                <p:cTn id="13" presetID="1" presetClass="entr" presetSubtype="0" fill="hold" nodeType="clickEffect">
-                                  <p:stCondLst>
-                                    <p:cond delay="0"/>
-                                  </p:stCondLst>
-                                  <p:childTnLst>
-                                    <p:set>
-                                      <p:cBhvr>
-                                        <p:cTn id="14" dur="1" fill="hold">
-                                          <p:stCondLst>
-                                            <p:cond delay="0"/>
-                                          </p:stCondLst>
-                                        </p:cTn>
-                                        <p:tgtEl>
-                                          <p:spTgt spid="3">
-                                            <p:txEl>
-                                              <p:pRg st="2" end="2"/>
-                                            </p:txEl>
-                                          </p:spTgt>
-                                        </p:tgtEl>
-                                        <p:attrNameLst>
-                                          <p:attrName>style.visibility</p:attrName>
-                                        </p:attrNameLst>
-                                      </p:cBhvr>
-                                      <p:to>
-                                        <p:strVal val="visible"/>
-                                      </p:to>
-                                    </p:set>
-                                  </p:childTnLst>
-                                </p:cTn>
-                              </p:par>
-                            </p:childTnLst>
-                          </p:cTn>
-                        </p:par>
-                      </p:childTnLst>
-                    </p:cTn>
-                  </p:par>
-                  <p:par>
-                    <p:cTn id="15" fill="hold">
-                      <p:stCondLst>
-                        <p:cond delay="indefinite"/>
-                      </p:stCondLst>
-                      <p:childTnLst>
-                        <p:par>
-                          <p:cTn id="16" fill="hold">
-                            <p:stCondLst>
-                              <p:cond delay="0"/>
-                            </p:stCondLst>
-                            <p:childTnLst>
-                              <p:par>
-                                <p:cTn id="17" presetID="1" presetClass="entr" presetSubtype="0" fill="hold" nodeType="clickEffect">
-                                  <p:stCondLst>
-                                    <p:cond delay="0"/>
-                                  </p:stCondLst>
-                                  <p:childTnLst>
-                                    <p:set>
-                                      <p:cBhvr>
-                                        <p:cTn id="18" dur="1" fill="hold">
-                                          <p:stCondLst>
-                                            <p:cond delay="0"/>
-                                          </p:stCondLst>
-                                        </p:cTn>
-                                        <p:tgtEl>
-                                          <p:spTgt spid="3">
-                                            <p:txEl>
-                                              <p:pRg st="3" end="3"/>
-                                            </p:txEl>
-                                          </p:spTgt>
-                                        </p:tgtEl>
-                                        <p:attrNameLst>
-                                          <p:attrName>style.visibility</p:attrName>
-                                        </p:attrNameLst>
-                                      </p:cBhvr>
-                                      <p:to>
-                                        <p:strVal val="visible"/>
-                                      </p:to>
-                                    </p:set>
-                                  </p:childTnLst>
-                                </p:cTn>
-                              </p:par>
-                            </p:childTnLst>
-                          </p:cTn>
-                        </p:par>
-                      </p:childTnLst>
-                    </p:cTn>
-                  </p:par>
-                </p:childTnLst>
-              </p:cTn>
-              <p:prevCondLst>
-                <p:cond evt="onPrev" delay="0">
-                  <p:tgtEl>
-                    <p:sldTgt/>
-                  </p:tgtEl>
-                </p:cond>
-              </p:prevCondLst>
-              <p:nextCondLst>
-                <p:cond evt="onNext" delay="0">
-                  <p:tgtEl>
-                    <p:sldTgt/>
-                  </p:tgtEl>
-                </p:cond>
-              </p:nextCondLst>
-            </p:seq>
-          </p:childTnLst>
-        </p:cTn>
-      </p:par>
-    </p:tnLst>
-  </p:timing>
 </p:sld>
 </file>
 
@@ -5665,7 +4692,11 @@
           <a:p>
             <a:r>
               <a:rPr lang="en-US" dirty="0" smtClean="0"/>
-              <a:t>Limitations and advantages of NB</a:t>
+              <a:t>Limitations and advantages </a:t>
+            </a:r>
+            <a:r>
+              <a:rPr lang="en-US" smtClean="0"/>
+              <a:t>of NB</a:t>
             </a:r>
             <a:endParaRPr lang="en-US" dirty="0"/>
           </a:p>
@@ -5681,232 +4712,6 @@
   <p:clrMapOvr>
     <a:masterClrMapping/>
   </p:clrMapOvr>
-  <p:timing>
-    <p:tnLst>
-      <p:par>
-        <p:cTn xmlns:p14="http://schemas.microsoft.com/office/powerpoint/2010/main" id="1" dur="indefinite" restart="never" nodeType="tmRoot">
-          <p:childTnLst>
-            <p:seq concurrent="1" nextAc="seek">
-              <p:cTn id="2" dur="indefinite" nodeType="mainSeq">
-                <p:childTnLst>
-                  <p:par>
-                    <p:cTn id="3" fill="hold">
-                      <p:stCondLst>
-                        <p:cond delay="indefinite"/>
-                      </p:stCondLst>
-                      <p:childTnLst>
-                        <p:par>
-                          <p:cTn id="4" fill="hold">
-                            <p:stCondLst>
-                              <p:cond delay="0"/>
-                            </p:stCondLst>
-                            <p:childTnLst>
-                              <p:par>
-                                <p:cTn id="5" presetID="1" presetClass="entr" presetSubtype="0" fill="hold" nodeType="clickEffect">
-                                  <p:stCondLst>
-                                    <p:cond delay="0"/>
-                                  </p:stCondLst>
-                                  <p:childTnLst>
-                                    <p:set>
-                                      <p:cBhvr>
-                                        <p:cTn id="6" dur="1" fill="hold">
-                                          <p:stCondLst>
-                                            <p:cond delay="0"/>
-                                          </p:stCondLst>
-                                        </p:cTn>
-                                        <p:tgtEl>
-                                          <p:spTgt spid="3">
-                                            <p:txEl>
-                                              <p:pRg st="0" end="0"/>
-                                            </p:txEl>
-                                          </p:spTgt>
-                                        </p:tgtEl>
-                                        <p:attrNameLst>
-                                          <p:attrName>style.visibility</p:attrName>
-                                        </p:attrNameLst>
-                                      </p:cBhvr>
-                                      <p:to>
-                                        <p:strVal val="visible"/>
-                                      </p:to>
-                                    </p:set>
-                                  </p:childTnLst>
-                                </p:cTn>
-                              </p:par>
-                            </p:childTnLst>
-                          </p:cTn>
-                        </p:par>
-                      </p:childTnLst>
-                    </p:cTn>
-                  </p:par>
-                  <p:par>
-                    <p:cTn id="7" fill="hold">
-                      <p:stCondLst>
-                        <p:cond delay="indefinite"/>
-                      </p:stCondLst>
-                      <p:childTnLst>
-                        <p:par>
-                          <p:cTn id="8" fill="hold">
-                            <p:stCondLst>
-                              <p:cond delay="0"/>
-                            </p:stCondLst>
-                            <p:childTnLst>
-                              <p:par>
-                                <p:cTn id="9" presetID="1" presetClass="entr" presetSubtype="0" fill="hold" nodeType="clickEffect">
-                                  <p:stCondLst>
-                                    <p:cond delay="0"/>
-                                  </p:stCondLst>
-                                  <p:childTnLst>
-                                    <p:set>
-                                      <p:cBhvr>
-                                        <p:cTn id="10" dur="1" fill="hold">
-                                          <p:stCondLst>
-                                            <p:cond delay="0"/>
-                                          </p:stCondLst>
-                                        </p:cTn>
-                                        <p:tgtEl>
-                                          <p:spTgt spid="3">
-                                            <p:txEl>
-                                              <p:pRg st="1" end="1"/>
-                                            </p:txEl>
-                                          </p:spTgt>
-                                        </p:tgtEl>
-                                        <p:attrNameLst>
-                                          <p:attrName>style.visibility</p:attrName>
-                                        </p:attrNameLst>
-                                      </p:cBhvr>
-                                      <p:to>
-                                        <p:strVal val="visible"/>
-                                      </p:to>
-                                    </p:set>
-                                  </p:childTnLst>
-                                </p:cTn>
-                              </p:par>
-                            </p:childTnLst>
-                          </p:cTn>
-                        </p:par>
-                      </p:childTnLst>
-                    </p:cTn>
-                  </p:par>
-                  <p:par>
-                    <p:cTn id="11" fill="hold">
-                      <p:stCondLst>
-                        <p:cond delay="indefinite"/>
-                      </p:stCondLst>
-                      <p:childTnLst>
-                        <p:par>
-                          <p:cTn id="12" fill="hold">
-                            <p:stCondLst>
-                              <p:cond delay="0"/>
-                            </p:stCondLst>
-                            <p:childTnLst>
-                              <p:par>
-                                <p:cTn id="13" presetID="1" presetClass="entr" presetSubtype="0" fill="hold" nodeType="clickEffect">
-                                  <p:stCondLst>
-                                    <p:cond delay="0"/>
-                                  </p:stCondLst>
-                                  <p:childTnLst>
-                                    <p:set>
-                                      <p:cBhvr>
-                                        <p:cTn id="14" dur="1" fill="hold">
-                                          <p:stCondLst>
-                                            <p:cond delay="0"/>
-                                          </p:stCondLst>
-                                        </p:cTn>
-                                        <p:tgtEl>
-                                          <p:spTgt spid="3">
-                                            <p:txEl>
-                                              <p:pRg st="2" end="2"/>
-                                            </p:txEl>
-                                          </p:spTgt>
-                                        </p:tgtEl>
-                                        <p:attrNameLst>
-                                          <p:attrName>style.visibility</p:attrName>
-                                        </p:attrNameLst>
-                                      </p:cBhvr>
-                                      <p:to>
-                                        <p:strVal val="visible"/>
-                                      </p:to>
-                                    </p:set>
-                                  </p:childTnLst>
-                                </p:cTn>
-                              </p:par>
-                            </p:childTnLst>
-                          </p:cTn>
-                        </p:par>
-                      </p:childTnLst>
-                    </p:cTn>
-                  </p:par>
-                  <p:par>
-                    <p:cTn id="15" fill="hold">
-                      <p:stCondLst>
-                        <p:cond delay="indefinite"/>
-                      </p:stCondLst>
-                      <p:childTnLst>
-                        <p:par>
-                          <p:cTn id="16" fill="hold">
-                            <p:stCondLst>
-                              <p:cond delay="0"/>
-                            </p:stCondLst>
-                            <p:childTnLst>
-                              <p:par>
-                                <p:cTn id="17" presetID="1" presetClass="entr" presetSubtype="0" fill="hold" nodeType="clickEffect">
-                                  <p:stCondLst>
-                                    <p:cond delay="0"/>
-                                  </p:stCondLst>
-                                  <p:childTnLst>
-                                    <p:set>
-                                      <p:cBhvr>
-                                        <p:cTn id="18" dur="1" fill="hold">
-                                          <p:stCondLst>
-                                            <p:cond delay="0"/>
-                                          </p:stCondLst>
-                                        </p:cTn>
-                                        <p:tgtEl>
-                                          <p:spTgt spid="3">
-                                            <p:txEl>
-                                              <p:pRg st="3" end="3"/>
-                                            </p:txEl>
-                                          </p:spTgt>
-                                        </p:tgtEl>
-                                        <p:attrNameLst>
-                                          <p:attrName>style.visibility</p:attrName>
-                                        </p:attrNameLst>
-                                      </p:cBhvr>
-                                      <p:to>
-                                        <p:strVal val="visible"/>
-                                      </p:to>
-                                    </p:set>
-                                  </p:childTnLst>
-                                </p:cTn>
-                              </p:par>
-                            </p:childTnLst>
-                          </p:cTn>
-                        </p:par>
-                      </p:childTnLst>
-                    </p:cTn>
-                  </p:par>
-                </p:childTnLst>
-              </p:cTn>
-              <p:prevCondLst>
-                <p:cond evt="onPrev" delay="0">
-                  <p:tgtEl>
-                    <p:sldTgt/>
-                  </p:tgtEl>
-                </p:cond>
-              </p:prevCondLst>
-              <p:nextCondLst>
-                <p:cond evt="onNext" delay="0">
-                  <p:tgtEl>
-                    <p:sldTgt/>
-                  </p:tgtEl>
-                </p:cond>
-              </p:nextCondLst>
-            </p:seq>
-          </p:childTnLst>
-        </p:cTn>
-      </p:par>
-    </p:tnLst>
-  </p:timing>
 </p:sld>
 </file>
 
@@ -5979,17 +4784,8 @@
           <a:p>
             <a:r>
               <a:rPr lang="en-US" dirty="0" smtClean="0"/>
-              <a:t>Advantages and disadvantages of </a:t>
-            </a:r>
-            <a:r>
-              <a:rPr lang="en-US" smtClean="0"/>
-              <a:t>using </a:t>
-            </a:r>
-            <a:r>
-              <a:rPr lang="en-US" smtClean="0"/>
-              <a:t>NB</a:t>
-            </a:r>
-            <a:endParaRPr lang="en-US" dirty="0" smtClean="0"/>
+              <a:t>Advantages and disadvantages of using NB?</a:t>
+            </a:r>
           </a:p>
           <a:p>
             <a:r>
@@ -6009,232 +4805,6 @@
   <p:clrMapOvr>
     <a:masterClrMapping/>
   </p:clrMapOvr>
-  <p:timing>
-    <p:tnLst>
-      <p:par>
-        <p:cTn xmlns:p14="http://schemas.microsoft.com/office/powerpoint/2010/main" id="1" dur="indefinite" restart="never" nodeType="tmRoot">
-          <p:childTnLst>
-            <p:seq concurrent="1" nextAc="seek">
-              <p:cTn id="2" dur="indefinite" nodeType="mainSeq">
-                <p:childTnLst>
-                  <p:par>
-                    <p:cTn id="3" fill="hold">
-                      <p:stCondLst>
-                        <p:cond delay="indefinite"/>
-                      </p:stCondLst>
-                      <p:childTnLst>
-                        <p:par>
-                          <p:cTn id="4" fill="hold">
-                            <p:stCondLst>
-                              <p:cond delay="0"/>
-                            </p:stCondLst>
-                            <p:childTnLst>
-                              <p:par>
-                                <p:cTn id="5" presetID="1" presetClass="entr" presetSubtype="0" fill="hold" nodeType="clickEffect">
-                                  <p:stCondLst>
-                                    <p:cond delay="0"/>
-                                  </p:stCondLst>
-                                  <p:childTnLst>
-                                    <p:set>
-                                      <p:cBhvr>
-                                        <p:cTn id="6" dur="1" fill="hold">
-                                          <p:stCondLst>
-                                            <p:cond delay="0"/>
-                                          </p:stCondLst>
-                                        </p:cTn>
-                                        <p:tgtEl>
-                                          <p:spTgt spid="3">
-                                            <p:txEl>
-                                              <p:pRg st="0" end="0"/>
-                                            </p:txEl>
-                                          </p:spTgt>
-                                        </p:tgtEl>
-                                        <p:attrNameLst>
-                                          <p:attrName>style.visibility</p:attrName>
-                                        </p:attrNameLst>
-                                      </p:cBhvr>
-                                      <p:to>
-                                        <p:strVal val="visible"/>
-                                      </p:to>
-                                    </p:set>
-                                  </p:childTnLst>
-                                </p:cTn>
-                              </p:par>
-                            </p:childTnLst>
-                          </p:cTn>
-                        </p:par>
-                      </p:childTnLst>
-                    </p:cTn>
-                  </p:par>
-                  <p:par>
-                    <p:cTn id="7" fill="hold">
-                      <p:stCondLst>
-                        <p:cond delay="indefinite"/>
-                      </p:stCondLst>
-                      <p:childTnLst>
-                        <p:par>
-                          <p:cTn id="8" fill="hold">
-                            <p:stCondLst>
-                              <p:cond delay="0"/>
-                            </p:stCondLst>
-                            <p:childTnLst>
-                              <p:par>
-                                <p:cTn id="9" presetID="1" presetClass="entr" presetSubtype="0" fill="hold" nodeType="clickEffect">
-                                  <p:stCondLst>
-                                    <p:cond delay="0"/>
-                                  </p:stCondLst>
-                                  <p:childTnLst>
-                                    <p:set>
-                                      <p:cBhvr>
-                                        <p:cTn id="10" dur="1" fill="hold">
-                                          <p:stCondLst>
-                                            <p:cond delay="0"/>
-                                          </p:stCondLst>
-                                        </p:cTn>
-                                        <p:tgtEl>
-                                          <p:spTgt spid="3">
-                                            <p:txEl>
-                                              <p:pRg st="1" end="1"/>
-                                            </p:txEl>
-                                          </p:spTgt>
-                                        </p:tgtEl>
-                                        <p:attrNameLst>
-                                          <p:attrName>style.visibility</p:attrName>
-                                        </p:attrNameLst>
-                                      </p:cBhvr>
-                                      <p:to>
-                                        <p:strVal val="visible"/>
-                                      </p:to>
-                                    </p:set>
-                                  </p:childTnLst>
-                                </p:cTn>
-                              </p:par>
-                            </p:childTnLst>
-                          </p:cTn>
-                        </p:par>
-                      </p:childTnLst>
-                    </p:cTn>
-                  </p:par>
-                  <p:par>
-                    <p:cTn id="11" fill="hold">
-                      <p:stCondLst>
-                        <p:cond delay="indefinite"/>
-                      </p:stCondLst>
-                      <p:childTnLst>
-                        <p:par>
-                          <p:cTn id="12" fill="hold">
-                            <p:stCondLst>
-                              <p:cond delay="0"/>
-                            </p:stCondLst>
-                            <p:childTnLst>
-                              <p:par>
-                                <p:cTn id="13" presetID="1" presetClass="entr" presetSubtype="0" fill="hold" nodeType="clickEffect">
-                                  <p:stCondLst>
-                                    <p:cond delay="0"/>
-                                  </p:stCondLst>
-                                  <p:childTnLst>
-                                    <p:set>
-                                      <p:cBhvr>
-                                        <p:cTn id="14" dur="1" fill="hold">
-                                          <p:stCondLst>
-                                            <p:cond delay="0"/>
-                                          </p:stCondLst>
-                                        </p:cTn>
-                                        <p:tgtEl>
-                                          <p:spTgt spid="3">
-                                            <p:txEl>
-                                              <p:pRg st="2" end="2"/>
-                                            </p:txEl>
-                                          </p:spTgt>
-                                        </p:tgtEl>
-                                        <p:attrNameLst>
-                                          <p:attrName>style.visibility</p:attrName>
-                                        </p:attrNameLst>
-                                      </p:cBhvr>
-                                      <p:to>
-                                        <p:strVal val="visible"/>
-                                      </p:to>
-                                    </p:set>
-                                  </p:childTnLst>
-                                </p:cTn>
-                              </p:par>
-                            </p:childTnLst>
-                          </p:cTn>
-                        </p:par>
-                      </p:childTnLst>
-                    </p:cTn>
-                  </p:par>
-                  <p:par>
-                    <p:cTn id="15" fill="hold">
-                      <p:stCondLst>
-                        <p:cond delay="indefinite"/>
-                      </p:stCondLst>
-                      <p:childTnLst>
-                        <p:par>
-                          <p:cTn id="16" fill="hold">
-                            <p:stCondLst>
-                              <p:cond delay="0"/>
-                            </p:stCondLst>
-                            <p:childTnLst>
-                              <p:par>
-                                <p:cTn id="17" presetID="1" presetClass="entr" presetSubtype="0" fill="hold" nodeType="clickEffect">
-                                  <p:stCondLst>
-                                    <p:cond delay="0"/>
-                                  </p:stCondLst>
-                                  <p:childTnLst>
-                                    <p:set>
-                                      <p:cBhvr>
-                                        <p:cTn id="18" dur="1" fill="hold">
-                                          <p:stCondLst>
-                                            <p:cond delay="0"/>
-                                          </p:stCondLst>
-                                        </p:cTn>
-                                        <p:tgtEl>
-                                          <p:spTgt spid="3">
-                                            <p:txEl>
-                                              <p:pRg st="3" end="3"/>
-                                            </p:txEl>
-                                          </p:spTgt>
-                                        </p:tgtEl>
-                                        <p:attrNameLst>
-                                          <p:attrName>style.visibility</p:attrName>
-                                        </p:attrNameLst>
-                                      </p:cBhvr>
-                                      <p:to>
-                                        <p:strVal val="visible"/>
-                                      </p:to>
-                                    </p:set>
-                                  </p:childTnLst>
-                                </p:cTn>
-                              </p:par>
-                            </p:childTnLst>
-                          </p:cTn>
-                        </p:par>
-                      </p:childTnLst>
-                    </p:cTn>
-                  </p:par>
-                </p:childTnLst>
-              </p:cTn>
-              <p:prevCondLst>
-                <p:cond evt="onPrev" delay="0">
-                  <p:tgtEl>
-                    <p:sldTgt/>
-                  </p:tgtEl>
-                </p:cond>
-              </p:prevCondLst>
-              <p:nextCondLst>
-                <p:cond evt="onNext" delay="0">
-                  <p:tgtEl>
-                    <p:sldTgt/>
-                  </p:tgtEl>
-                </p:cond>
-              </p:nextCondLst>
-            </p:seq>
-          </p:childTnLst>
-        </p:cTn>
-      </p:par>
-    </p:tnLst>
-  </p:timing>
 </p:sld>
 </file>
 
@@ -6331,232 +4901,6 @@
   <p:clrMapOvr>
     <a:masterClrMapping/>
   </p:clrMapOvr>
-  <p:timing>
-    <p:tnLst>
-      <p:par>
-        <p:cTn xmlns:p14="http://schemas.microsoft.com/office/powerpoint/2010/main" id="1" dur="indefinite" restart="never" nodeType="tmRoot">
-          <p:childTnLst>
-            <p:seq concurrent="1" nextAc="seek">
-              <p:cTn id="2" dur="indefinite" nodeType="mainSeq">
-                <p:childTnLst>
-                  <p:par>
-                    <p:cTn id="3" fill="hold">
-                      <p:stCondLst>
-                        <p:cond delay="indefinite"/>
-                      </p:stCondLst>
-                      <p:childTnLst>
-                        <p:par>
-                          <p:cTn id="4" fill="hold">
-                            <p:stCondLst>
-                              <p:cond delay="0"/>
-                            </p:stCondLst>
-                            <p:childTnLst>
-                              <p:par>
-                                <p:cTn id="5" presetID="1" presetClass="entr" presetSubtype="0" fill="hold" nodeType="clickEffect">
-                                  <p:stCondLst>
-                                    <p:cond delay="0"/>
-                                  </p:stCondLst>
-                                  <p:childTnLst>
-                                    <p:set>
-                                      <p:cBhvr>
-                                        <p:cTn id="6" dur="1" fill="hold">
-                                          <p:stCondLst>
-                                            <p:cond delay="0"/>
-                                          </p:stCondLst>
-                                        </p:cTn>
-                                        <p:tgtEl>
-                                          <p:spTgt spid="3">
-                                            <p:txEl>
-                                              <p:pRg st="0" end="0"/>
-                                            </p:txEl>
-                                          </p:spTgt>
-                                        </p:tgtEl>
-                                        <p:attrNameLst>
-                                          <p:attrName>style.visibility</p:attrName>
-                                        </p:attrNameLst>
-                                      </p:cBhvr>
-                                      <p:to>
-                                        <p:strVal val="visible"/>
-                                      </p:to>
-                                    </p:set>
-                                  </p:childTnLst>
-                                </p:cTn>
-                              </p:par>
-                            </p:childTnLst>
-                          </p:cTn>
-                        </p:par>
-                      </p:childTnLst>
-                    </p:cTn>
-                  </p:par>
-                  <p:par>
-                    <p:cTn id="7" fill="hold">
-                      <p:stCondLst>
-                        <p:cond delay="indefinite"/>
-                      </p:stCondLst>
-                      <p:childTnLst>
-                        <p:par>
-                          <p:cTn id="8" fill="hold">
-                            <p:stCondLst>
-                              <p:cond delay="0"/>
-                            </p:stCondLst>
-                            <p:childTnLst>
-                              <p:par>
-                                <p:cTn id="9" presetID="1" presetClass="entr" presetSubtype="0" fill="hold" nodeType="clickEffect">
-                                  <p:stCondLst>
-                                    <p:cond delay="0"/>
-                                  </p:stCondLst>
-                                  <p:childTnLst>
-                                    <p:set>
-                                      <p:cBhvr>
-                                        <p:cTn id="10" dur="1" fill="hold">
-                                          <p:stCondLst>
-                                            <p:cond delay="0"/>
-                                          </p:stCondLst>
-                                        </p:cTn>
-                                        <p:tgtEl>
-                                          <p:spTgt spid="3">
-                                            <p:txEl>
-                                              <p:pRg st="1" end="1"/>
-                                            </p:txEl>
-                                          </p:spTgt>
-                                        </p:tgtEl>
-                                        <p:attrNameLst>
-                                          <p:attrName>style.visibility</p:attrName>
-                                        </p:attrNameLst>
-                                      </p:cBhvr>
-                                      <p:to>
-                                        <p:strVal val="visible"/>
-                                      </p:to>
-                                    </p:set>
-                                  </p:childTnLst>
-                                </p:cTn>
-                              </p:par>
-                            </p:childTnLst>
-                          </p:cTn>
-                        </p:par>
-                      </p:childTnLst>
-                    </p:cTn>
-                  </p:par>
-                  <p:par>
-                    <p:cTn id="11" fill="hold">
-                      <p:stCondLst>
-                        <p:cond delay="indefinite"/>
-                      </p:stCondLst>
-                      <p:childTnLst>
-                        <p:par>
-                          <p:cTn id="12" fill="hold">
-                            <p:stCondLst>
-                              <p:cond delay="0"/>
-                            </p:stCondLst>
-                            <p:childTnLst>
-                              <p:par>
-                                <p:cTn id="13" presetID="1" presetClass="entr" presetSubtype="0" fill="hold" nodeType="clickEffect">
-                                  <p:stCondLst>
-                                    <p:cond delay="0"/>
-                                  </p:stCondLst>
-                                  <p:childTnLst>
-                                    <p:set>
-                                      <p:cBhvr>
-                                        <p:cTn id="14" dur="1" fill="hold">
-                                          <p:stCondLst>
-                                            <p:cond delay="0"/>
-                                          </p:stCondLst>
-                                        </p:cTn>
-                                        <p:tgtEl>
-                                          <p:spTgt spid="3">
-                                            <p:txEl>
-                                              <p:pRg st="2" end="2"/>
-                                            </p:txEl>
-                                          </p:spTgt>
-                                        </p:tgtEl>
-                                        <p:attrNameLst>
-                                          <p:attrName>style.visibility</p:attrName>
-                                        </p:attrNameLst>
-                                      </p:cBhvr>
-                                      <p:to>
-                                        <p:strVal val="visible"/>
-                                      </p:to>
-                                    </p:set>
-                                  </p:childTnLst>
-                                </p:cTn>
-                              </p:par>
-                            </p:childTnLst>
-                          </p:cTn>
-                        </p:par>
-                      </p:childTnLst>
-                    </p:cTn>
-                  </p:par>
-                  <p:par>
-                    <p:cTn id="15" fill="hold">
-                      <p:stCondLst>
-                        <p:cond delay="indefinite"/>
-                      </p:stCondLst>
-                      <p:childTnLst>
-                        <p:par>
-                          <p:cTn id="16" fill="hold">
-                            <p:stCondLst>
-                              <p:cond delay="0"/>
-                            </p:stCondLst>
-                            <p:childTnLst>
-                              <p:par>
-                                <p:cTn id="17" presetID="1" presetClass="entr" presetSubtype="0" fill="hold" nodeType="clickEffect">
-                                  <p:stCondLst>
-                                    <p:cond delay="0"/>
-                                  </p:stCondLst>
-                                  <p:childTnLst>
-                                    <p:set>
-                                      <p:cBhvr>
-                                        <p:cTn id="18" dur="1" fill="hold">
-                                          <p:stCondLst>
-                                            <p:cond delay="0"/>
-                                          </p:stCondLst>
-                                        </p:cTn>
-                                        <p:tgtEl>
-                                          <p:spTgt spid="3">
-                                            <p:txEl>
-                                              <p:pRg st="3" end="3"/>
-                                            </p:txEl>
-                                          </p:spTgt>
-                                        </p:tgtEl>
-                                        <p:attrNameLst>
-                                          <p:attrName>style.visibility</p:attrName>
-                                        </p:attrNameLst>
-                                      </p:cBhvr>
-                                      <p:to>
-                                        <p:strVal val="visible"/>
-                                      </p:to>
-                                    </p:set>
-                                  </p:childTnLst>
-                                </p:cTn>
-                              </p:par>
-                            </p:childTnLst>
-                          </p:cTn>
-                        </p:par>
-                      </p:childTnLst>
-                    </p:cTn>
-                  </p:par>
-                </p:childTnLst>
-              </p:cTn>
-              <p:prevCondLst>
-                <p:cond evt="onPrev" delay="0">
-                  <p:tgtEl>
-                    <p:sldTgt/>
-                  </p:tgtEl>
-                </p:cond>
-              </p:prevCondLst>
-              <p:nextCondLst>
-                <p:cond evt="onNext" delay="0">
-                  <p:tgtEl>
-                    <p:sldTgt/>
-                  </p:tgtEl>
-                </p:cond>
-              </p:nextCondLst>
-            </p:seq>
-          </p:childTnLst>
-        </p:cTn>
-      </p:par>
-    </p:tnLst>
-  </p:timing>
 </p:sld>
 </file>
 
@@ -6638,13 +4982,6 @@
   <p:clrMapOvr>
     <a:masterClrMapping/>
   </p:clrMapOvr>
-  <p:timing>
-    <p:tnLst>
-      <p:par>
-        <p:cTn xmlns:p14="http://schemas.microsoft.com/office/powerpoint/2010/main" id="1" dur="indefinite" restart="never" nodeType="tmRoot"/>
-      </p:par>
-    </p:tnLst>
-  </p:timing>
 </p:sld>
 </file>
 
@@ -6890,179 +5227,6 @@
   <p:clrMapOvr>
     <a:masterClrMapping/>
   </p:clrMapOvr>
-  <p:timing>
-    <p:tnLst>
-      <p:par>
-        <p:cTn xmlns:p14="http://schemas.microsoft.com/office/powerpoint/2010/main" id="1" dur="indefinite" restart="never" nodeType="tmRoot">
-          <p:childTnLst>
-            <p:seq concurrent="1" nextAc="seek">
-              <p:cTn id="2" dur="indefinite" nodeType="mainSeq">
-                <p:childTnLst>
-                  <p:par>
-                    <p:cTn id="3" fill="hold">
-                      <p:stCondLst>
-                        <p:cond delay="indefinite"/>
-                      </p:stCondLst>
-                      <p:childTnLst>
-                        <p:par>
-                          <p:cTn id="4" fill="hold">
-                            <p:stCondLst>
-                              <p:cond delay="0"/>
-                            </p:stCondLst>
-                            <p:childTnLst>
-                              <p:par>
-                                <p:cTn id="5" presetID="1" presetClass="entr" presetSubtype="0" fill="hold" nodeType="clickEffect">
-                                  <p:stCondLst>
-                                    <p:cond delay="0"/>
-                                  </p:stCondLst>
-                                  <p:childTnLst>
-                                    <p:set>
-                                      <p:cBhvr>
-                                        <p:cTn id="6" dur="1" fill="hold">
-                                          <p:stCondLst>
-                                            <p:cond delay="0"/>
-                                          </p:stCondLst>
-                                        </p:cTn>
-                                        <p:tgtEl>
-                                          <p:spTgt spid="3">
-                                            <p:txEl>
-                                              <p:pRg st="1" end="1"/>
-                                            </p:txEl>
-                                          </p:spTgt>
-                                        </p:tgtEl>
-                                        <p:attrNameLst>
-                                          <p:attrName>style.visibility</p:attrName>
-                                        </p:attrNameLst>
-                                      </p:cBhvr>
-                                      <p:to>
-                                        <p:strVal val="visible"/>
-                                      </p:to>
-                                    </p:set>
-                                  </p:childTnLst>
-                                </p:cTn>
-                              </p:par>
-                            </p:childTnLst>
-                          </p:cTn>
-                        </p:par>
-                      </p:childTnLst>
-                    </p:cTn>
-                  </p:par>
-                  <p:par>
-                    <p:cTn id="7" fill="hold">
-                      <p:stCondLst>
-                        <p:cond delay="indefinite"/>
-                      </p:stCondLst>
-                      <p:childTnLst>
-                        <p:par>
-                          <p:cTn id="8" fill="hold">
-                            <p:stCondLst>
-                              <p:cond delay="0"/>
-                            </p:stCondLst>
-                            <p:childTnLst>
-                              <p:par>
-                                <p:cTn id="9" presetID="1" presetClass="entr" presetSubtype="0" fill="hold" nodeType="clickEffect">
-                                  <p:stCondLst>
-                                    <p:cond delay="0"/>
-                                  </p:stCondLst>
-                                  <p:childTnLst>
-                                    <p:set>
-                                      <p:cBhvr>
-                                        <p:cTn id="10" dur="1" fill="hold">
-                                          <p:stCondLst>
-                                            <p:cond delay="0"/>
-                                          </p:stCondLst>
-                                        </p:cTn>
-                                        <p:tgtEl>
-                                          <p:spTgt spid="3">
-                                            <p:txEl>
-                                              <p:pRg st="2" end="2"/>
-                                            </p:txEl>
-                                          </p:spTgt>
-                                        </p:tgtEl>
-                                        <p:attrNameLst>
-                                          <p:attrName>style.visibility</p:attrName>
-                                        </p:attrNameLst>
-                                      </p:cBhvr>
-                                      <p:to>
-                                        <p:strVal val="visible"/>
-                                      </p:to>
-                                    </p:set>
-                                  </p:childTnLst>
-                                </p:cTn>
-                              </p:par>
-                            </p:childTnLst>
-                          </p:cTn>
-                        </p:par>
-                      </p:childTnLst>
-                    </p:cTn>
-                  </p:par>
-                  <p:par>
-                    <p:cTn id="11" fill="hold">
-                      <p:stCondLst>
-                        <p:cond delay="indefinite"/>
-                      </p:stCondLst>
-                      <p:childTnLst>
-                        <p:par>
-                          <p:cTn id="12" fill="hold">
-                            <p:stCondLst>
-                              <p:cond delay="0"/>
-                            </p:stCondLst>
-                            <p:childTnLst>
-                              <p:par>
-                                <p:cTn id="13" presetID="1" presetClass="entr" presetSubtype="0" fill="hold" nodeType="clickEffect">
-                                  <p:stCondLst>
-                                    <p:cond delay="0"/>
-                                  </p:stCondLst>
-                                  <p:childTnLst>
-                                    <p:set>
-                                      <p:cBhvr>
-                                        <p:cTn id="14" dur="1" fill="hold">
-                                          <p:stCondLst>
-                                            <p:cond delay="0"/>
-                                          </p:stCondLst>
-                                        </p:cTn>
-                                        <p:tgtEl>
-                                          <p:spTgt spid="7"/>
-                                        </p:tgtEl>
-                                        <p:attrNameLst>
-                                          <p:attrName>style.visibility</p:attrName>
-                                        </p:attrNameLst>
-                                      </p:cBhvr>
-                                      <p:to>
-                                        <p:strVal val="visible"/>
-                                      </p:to>
-                                    </p:set>
-                                  </p:childTnLst>
-                                </p:cTn>
-                              </p:par>
-                            </p:childTnLst>
-                          </p:cTn>
-                        </p:par>
-                      </p:childTnLst>
-                    </p:cTn>
-                  </p:par>
-                </p:childTnLst>
-              </p:cTn>
-              <p:prevCondLst>
-                <p:cond evt="onPrev" delay="0">
-                  <p:tgtEl>
-                    <p:sldTgt/>
-                  </p:tgtEl>
-                </p:cond>
-              </p:prevCondLst>
-              <p:nextCondLst>
-                <p:cond evt="onNext" delay="0">
-                  <p:tgtEl>
-                    <p:sldTgt/>
-                  </p:tgtEl>
-                </p:cond>
-              </p:nextCondLst>
-            </p:seq>
-          </p:childTnLst>
-        </p:cTn>
-      </p:par>
-    </p:tnLst>
-  </p:timing>
 </p:sld>
 </file>
 
@@ -7132,12 +5296,12 @@
           <a:graphicData uri="http://schemas.openxmlformats.org/presentationml/2006/ole">
             <mc:AlternateContent xmlns:mc="http://schemas.openxmlformats.org/markup-compatibility/2006">
               <mc:Choice xmlns:v="urn:schemas-microsoft-com:vml" Requires="v">
-                <p:oleObj spid="_x0000_s3085" name="Document" r:id="rId5" imgW="7128360" imgH="5781600" progId="Word.Document.8">
+                <p:oleObj spid="_x0000_s3081" name="Document" r:id="rId4" imgW="7128360" imgH="5781600" progId="Word.Document.8">
                   <p:embed/>
                 </p:oleObj>
               </mc:Choice>
               <mc:Fallback>
-                <p:oleObj name="Document" r:id="rId5" imgW="7128360" imgH="5781600" progId="Word.Document.8">
+                <p:oleObj name="Document" r:id="rId4" imgW="7128360" imgH="5781600" progId="Word.Document.8">
                   <p:embed/>
                   <p:pic>
                     <p:nvPicPr>
@@ -7148,7 +5312,7 @@
                       <p:nvPr/>
                     </p:nvPicPr>
                     <p:blipFill>
-                      <a:blip r:embed="rId6">
+                      <a:blip r:embed="rId5">
                         <a:extLst>
                           <a:ext uri="{28A0092B-C50C-407E-A947-70E740481C1C}">
                             <a14:useLocalDpi xmlns:a14="http://schemas.microsoft.com/office/drawing/2010/main" val="0"/>
@@ -7275,7 +5439,15 @@
             </a:r>
             <a:r>
               <a:rPr lang="en-US" sz="2400" dirty="0" smtClean="0"/>
-              <a:t>what’s </a:t>
+              <a:t>what</a:t>
+            </a:r>
+            <a:r>
+              <a:rPr lang="ja-JP" altLang="en-US" sz="2400" dirty="0" smtClean="0"/>
+              <a:t>’</a:t>
+            </a:r>
+            <a:r>
+              <a:rPr lang="en-US" sz="2400" dirty="0" smtClean="0"/>
+              <a:t>s </a:t>
             </a:r>
             <a:r>
               <a:rPr lang="en-US" sz="2400" dirty="0"/>
@@ -7366,7 +5538,7 @@
           <a:graphicData uri="http://schemas.openxmlformats.org/presentationml/2006/ole">
             <mc:AlternateContent xmlns:mc="http://schemas.openxmlformats.org/markup-compatibility/2006">
               <mc:Choice xmlns:v="urn:schemas-microsoft-com:vml" Requires="v">
-                <p:oleObj spid="_x0000_s6157" name="Equation" r:id="rId3" imgW="4267200" imgH="1803400" progId="Equation.3">
+                <p:oleObj spid="_x0000_s6153" name="Equation" r:id="rId3" imgW="4267200" imgH="1803400" progId="Equation.3">
                   <p:embed/>
                 </p:oleObj>
               </mc:Choice>
@@ -7411,13 +5583,6 @@
   <p:clrMapOvr>
     <a:masterClrMapping/>
   </p:clrMapOvr>
-  <p:timing>
-    <p:tnLst>
-      <p:par>
-        <p:cTn xmlns:p14="http://schemas.microsoft.com/office/powerpoint/2010/main" id="1" dur="indefinite" restart="never" nodeType="tmRoot"/>
-      </p:par>
-    </p:tnLst>
-  </p:timing>
 </p:sld>
 </file>
 
@@ -7527,7 +5692,7 @@
           <p:nvPr/>
         </p:nvPicPr>
         <p:blipFill>
-          <a:blip r:embed="rId2">
+          <a:blip r:embed="rId3">
             <a:extLst>
               <a:ext uri="{28A0092B-C50C-407E-A947-70E740481C1C}">
                 <a14:useLocalDpi xmlns:a14="http://schemas.microsoft.com/office/drawing/2010/main" val="0"/>
@@ -7558,228 +5723,6 @@
   <p:clrMapOvr>
     <a:masterClrMapping/>
   </p:clrMapOvr>
-  <p:timing>
-    <p:tnLst>
-      <p:par>
-        <p:cTn xmlns:p14="http://schemas.microsoft.com/office/powerpoint/2010/main" id="1" dur="indefinite" restart="never" nodeType="tmRoot">
-          <p:childTnLst>
-            <p:seq concurrent="1" nextAc="seek">
-              <p:cTn id="2" dur="indefinite" nodeType="mainSeq">
-                <p:childTnLst>
-                  <p:par>
-                    <p:cTn id="3" fill="hold">
-                      <p:stCondLst>
-                        <p:cond delay="indefinite"/>
-                      </p:stCondLst>
-                      <p:childTnLst>
-                        <p:par>
-                          <p:cTn id="4" fill="hold">
-                            <p:stCondLst>
-                              <p:cond delay="0"/>
-                            </p:stCondLst>
-                            <p:childTnLst>
-                              <p:par>
-                                <p:cTn id="5" presetID="1" presetClass="entr" presetSubtype="0" fill="hold" nodeType="clickEffect">
-                                  <p:stCondLst>
-                                    <p:cond delay="0"/>
-                                  </p:stCondLst>
-                                  <p:childTnLst>
-                                    <p:set>
-                                      <p:cBhvr>
-                                        <p:cTn id="6" dur="1" fill="hold">
-                                          <p:stCondLst>
-                                            <p:cond delay="0"/>
-                                          </p:stCondLst>
-                                        </p:cTn>
-                                        <p:tgtEl>
-                                          <p:spTgt spid="3">
-                                            <p:txEl>
-                                              <p:pRg st="0" end="0"/>
-                                            </p:txEl>
-                                          </p:spTgt>
-                                        </p:tgtEl>
-                                        <p:attrNameLst>
-                                          <p:attrName>style.visibility</p:attrName>
-                                        </p:attrNameLst>
-                                      </p:cBhvr>
-                                      <p:to>
-                                        <p:strVal val="visible"/>
-                                      </p:to>
-                                    </p:set>
-                                  </p:childTnLst>
-                                </p:cTn>
-                              </p:par>
-                            </p:childTnLst>
-                          </p:cTn>
-                        </p:par>
-                      </p:childTnLst>
-                    </p:cTn>
-                  </p:par>
-                  <p:par>
-                    <p:cTn id="7" fill="hold">
-                      <p:stCondLst>
-                        <p:cond delay="indefinite"/>
-                      </p:stCondLst>
-                      <p:childTnLst>
-                        <p:par>
-                          <p:cTn id="8" fill="hold">
-                            <p:stCondLst>
-                              <p:cond delay="0"/>
-                            </p:stCondLst>
-                            <p:childTnLst>
-                              <p:par>
-                                <p:cTn id="9" presetID="1" presetClass="entr" presetSubtype="0" fill="hold" nodeType="clickEffect">
-                                  <p:stCondLst>
-                                    <p:cond delay="0"/>
-                                  </p:stCondLst>
-                                  <p:childTnLst>
-                                    <p:set>
-                                      <p:cBhvr>
-                                        <p:cTn id="10" dur="1" fill="hold">
-                                          <p:stCondLst>
-                                            <p:cond delay="0"/>
-                                          </p:stCondLst>
-                                        </p:cTn>
-                                        <p:tgtEl>
-                                          <p:spTgt spid="3">
-                                            <p:txEl>
-                                              <p:pRg st="1" end="1"/>
-                                            </p:txEl>
-                                          </p:spTgt>
-                                        </p:tgtEl>
-                                        <p:attrNameLst>
-                                          <p:attrName>style.visibility</p:attrName>
-                                        </p:attrNameLst>
-                                      </p:cBhvr>
-                                      <p:to>
-                                        <p:strVal val="visible"/>
-                                      </p:to>
-                                    </p:set>
-                                  </p:childTnLst>
-                                </p:cTn>
-                              </p:par>
-                            </p:childTnLst>
-                          </p:cTn>
-                        </p:par>
-                      </p:childTnLst>
-                    </p:cTn>
-                  </p:par>
-                  <p:par>
-                    <p:cTn id="11" fill="hold">
-                      <p:stCondLst>
-                        <p:cond delay="indefinite"/>
-                      </p:stCondLst>
-                      <p:childTnLst>
-                        <p:par>
-                          <p:cTn id="12" fill="hold">
-                            <p:stCondLst>
-                              <p:cond delay="0"/>
-                            </p:stCondLst>
-                            <p:childTnLst>
-                              <p:par>
-                                <p:cTn id="13" presetID="1" presetClass="entr" presetSubtype="0" fill="hold" nodeType="clickEffect">
-                                  <p:stCondLst>
-                                    <p:cond delay="0"/>
-                                  </p:stCondLst>
-                                  <p:childTnLst>
-                                    <p:set>
-                                      <p:cBhvr>
-                                        <p:cTn id="14" dur="1" fill="hold">
-                                          <p:stCondLst>
-                                            <p:cond delay="0"/>
-                                          </p:stCondLst>
-                                        </p:cTn>
-                                        <p:tgtEl>
-                                          <p:spTgt spid="3">
-                                            <p:txEl>
-                                              <p:pRg st="2" end="2"/>
-                                            </p:txEl>
-                                          </p:spTgt>
-                                        </p:tgtEl>
-                                        <p:attrNameLst>
-                                          <p:attrName>style.visibility</p:attrName>
-                                        </p:attrNameLst>
-                                      </p:cBhvr>
-                                      <p:to>
-                                        <p:strVal val="visible"/>
-                                      </p:to>
-                                    </p:set>
-                                  </p:childTnLst>
-                                </p:cTn>
-                              </p:par>
-                            </p:childTnLst>
-                          </p:cTn>
-                        </p:par>
-                      </p:childTnLst>
-                    </p:cTn>
-                  </p:par>
-                  <p:par>
-                    <p:cTn id="15" fill="hold">
-                      <p:stCondLst>
-                        <p:cond delay="indefinite"/>
-                      </p:stCondLst>
-                      <p:childTnLst>
-                        <p:par>
-                          <p:cTn id="16" fill="hold">
-                            <p:stCondLst>
-                              <p:cond delay="0"/>
-                            </p:stCondLst>
-                            <p:childTnLst>
-                              <p:par>
-                                <p:cTn id="17" presetID="1" presetClass="entr" presetSubtype="0" fill="hold" nodeType="clickEffect">
-                                  <p:stCondLst>
-                                    <p:cond delay="0"/>
-                                  </p:stCondLst>
-                                  <p:childTnLst>
-                                    <p:set>
-                                      <p:cBhvr>
-                                        <p:cTn id="18" dur="1" fill="hold">
-                                          <p:stCondLst>
-                                            <p:cond delay="0"/>
-                                          </p:stCondLst>
-                                        </p:cTn>
-                                        <p:tgtEl>
-                                          <p:spTgt spid="5"/>
-                                        </p:tgtEl>
-                                        <p:attrNameLst>
-                                          <p:attrName>style.visibility</p:attrName>
-                                        </p:attrNameLst>
-                                      </p:cBhvr>
-                                      <p:to>
-                                        <p:strVal val="visible"/>
-                                      </p:to>
-                                    </p:set>
-                                  </p:childTnLst>
-                                </p:cTn>
-                              </p:par>
-                            </p:childTnLst>
-                          </p:cTn>
-                        </p:par>
-                      </p:childTnLst>
-                    </p:cTn>
-                  </p:par>
-                </p:childTnLst>
-              </p:cTn>
-              <p:prevCondLst>
-                <p:cond evt="onPrev" delay="0">
-                  <p:tgtEl>
-                    <p:sldTgt/>
-                  </p:tgtEl>
-                </p:cond>
-              </p:prevCondLst>
-              <p:nextCondLst>
-                <p:cond evt="onNext" delay="0">
-                  <p:tgtEl>
-                    <p:sldTgt/>
-                  </p:tgtEl>
-                </p:cond>
-              </p:nextCondLst>
-            </p:seq>
-          </p:childTnLst>
-        </p:cTn>
-      </p:par>
-    </p:tnLst>
-  </p:timing>
 </p:sld>
 </file>
 
@@ -7840,7 +5783,7 @@
           <a:p>
             <a:r>
               <a:rPr lang="en-US" dirty="0" smtClean="0"/>
-              <a:t>Use 1 nearest neighbor algorithm and locate the closest classmate to you. Once you locate him/her, discuss how one could use Naïve Bayes classifier to classify Spam and Ham e-mail. Also, discuss how we can measure the error of this algorithm and what can go wrong.</a:t>
+              <a:t>Use 1 nearest neighbor algorithm and locate the closest classmate to you. Once you locate him/her, how one could use Naïve Bayes classifier to classify Spam and Ham e-mail. Also, discuss how we can measure the error of this algorithm and what can go wrong.</a:t>
             </a:r>
             <a:endParaRPr lang="en-US" dirty="0"/>
           </a:p>
@@ -7856,13 +5799,6 @@
   <p:clrMapOvr>
     <a:masterClrMapping/>
   </p:clrMapOvr>
-  <p:timing>
-    <p:tnLst>
-      <p:par>
-        <p:cTn xmlns:p14="http://schemas.microsoft.com/office/powerpoint/2010/main" id="1" dur="indefinite" restart="never" nodeType="tmRoot"/>
-      </p:par>
-    </p:tnLst>
-  </p:timing>
 </p:sld>
 </file>
 
